--- a/rel-electro-immersif-src/touchdesigner/td_osc_udp.pptx
+++ b/rel-electro-immersif-src/touchdesigner/td_osc_udp.pptx
@@ -2,18 +2,18 @@
 <file path=ppt/presentation.xml><?xml version="1.0" encoding="utf-8"?>
 <p:presentation xmlns:a="http://schemas.openxmlformats.org/drawingml/2006/main" xmlns:r="http://schemas.openxmlformats.org/officeDocument/2006/relationships" xmlns:p="http://schemas.openxmlformats.org/presentationml/2006/main" saveSubsetFonts="1">
   <p:sldMasterIdLst>
-    <p:sldMasterId id="2147483648" r:id="rId1"/>
+    <p:sldMasterId id="2147483660" r:id="rId1"/>
   </p:sldMasterIdLst>
   <p:sldIdLst>
     <p:sldId id="257" r:id="rId2"/>
   </p:sldIdLst>
-  <p:sldSz cx="12192000" cy="6858000"/>
+  <p:sldSz cx="9144000" cy="6858000" type="letter"/>
   <p:notesSz cx="6858000" cy="9144000"/>
   <p:defaultTextStyle>
     <a:defPPr>
-      <a:defRPr lang="fr-FR"/>
+      <a:defRPr lang="en-US"/>
     </a:defPPr>
-    <a:lvl1pPr marL="0" algn="l" defTabSz="914400" rtl="0" eaLnBrk="1" latinLnBrk="0" hangingPunct="1">
+    <a:lvl1pPr marL="0" algn="l" defTabSz="457200" rtl="0" eaLnBrk="1" latinLnBrk="0" hangingPunct="1">
       <a:defRPr sz="1800" kern="1200">
         <a:solidFill>
           <a:schemeClr val="tx1"/>
@@ -23,7 +23,7 @@
         <a:cs typeface="+mn-cs"/>
       </a:defRPr>
     </a:lvl1pPr>
-    <a:lvl2pPr marL="457200" algn="l" defTabSz="914400" rtl="0" eaLnBrk="1" latinLnBrk="0" hangingPunct="1">
+    <a:lvl2pPr marL="457200" algn="l" defTabSz="457200" rtl="0" eaLnBrk="1" latinLnBrk="0" hangingPunct="1">
       <a:defRPr sz="1800" kern="1200">
         <a:solidFill>
           <a:schemeClr val="tx1"/>
@@ -33,7 +33,7 @@
         <a:cs typeface="+mn-cs"/>
       </a:defRPr>
     </a:lvl2pPr>
-    <a:lvl3pPr marL="914400" algn="l" defTabSz="914400" rtl="0" eaLnBrk="1" latinLnBrk="0" hangingPunct="1">
+    <a:lvl3pPr marL="914400" algn="l" defTabSz="457200" rtl="0" eaLnBrk="1" latinLnBrk="0" hangingPunct="1">
       <a:defRPr sz="1800" kern="1200">
         <a:solidFill>
           <a:schemeClr val="tx1"/>
@@ -43,7 +43,7 @@
         <a:cs typeface="+mn-cs"/>
       </a:defRPr>
     </a:lvl3pPr>
-    <a:lvl4pPr marL="1371600" algn="l" defTabSz="914400" rtl="0" eaLnBrk="1" latinLnBrk="0" hangingPunct="1">
+    <a:lvl4pPr marL="1371600" algn="l" defTabSz="457200" rtl="0" eaLnBrk="1" latinLnBrk="0" hangingPunct="1">
       <a:defRPr sz="1800" kern="1200">
         <a:solidFill>
           <a:schemeClr val="tx1"/>
@@ -53,7 +53,7 @@
         <a:cs typeface="+mn-cs"/>
       </a:defRPr>
     </a:lvl4pPr>
-    <a:lvl5pPr marL="1828800" algn="l" defTabSz="914400" rtl="0" eaLnBrk="1" latinLnBrk="0" hangingPunct="1">
+    <a:lvl5pPr marL="1828800" algn="l" defTabSz="457200" rtl="0" eaLnBrk="1" latinLnBrk="0" hangingPunct="1">
       <a:defRPr sz="1800" kern="1200">
         <a:solidFill>
           <a:schemeClr val="tx1"/>
@@ -63,7 +63,7 @@
         <a:cs typeface="+mn-cs"/>
       </a:defRPr>
     </a:lvl5pPr>
-    <a:lvl6pPr marL="2286000" algn="l" defTabSz="914400" rtl="0" eaLnBrk="1" latinLnBrk="0" hangingPunct="1">
+    <a:lvl6pPr marL="2286000" algn="l" defTabSz="457200" rtl="0" eaLnBrk="1" latinLnBrk="0" hangingPunct="1">
       <a:defRPr sz="1800" kern="1200">
         <a:solidFill>
           <a:schemeClr val="tx1"/>
@@ -73,7 +73,7 @@
         <a:cs typeface="+mn-cs"/>
       </a:defRPr>
     </a:lvl6pPr>
-    <a:lvl7pPr marL="2743200" algn="l" defTabSz="914400" rtl="0" eaLnBrk="1" latinLnBrk="0" hangingPunct="1">
+    <a:lvl7pPr marL="2743200" algn="l" defTabSz="457200" rtl="0" eaLnBrk="1" latinLnBrk="0" hangingPunct="1">
       <a:defRPr sz="1800" kern="1200">
         <a:solidFill>
           <a:schemeClr val="tx1"/>
@@ -83,7 +83,7 @@
         <a:cs typeface="+mn-cs"/>
       </a:defRPr>
     </a:lvl7pPr>
-    <a:lvl8pPr marL="3200400" algn="l" defTabSz="914400" rtl="0" eaLnBrk="1" latinLnBrk="0" hangingPunct="1">
+    <a:lvl8pPr marL="3200400" algn="l" defTabSz="457200" rtl="0" eaLnBrk="1" latinLnBrk="0" hangingPunct="1">
       <a:defRPr sz="1800" kern="1200">
         <a:solidFill>
           <a:schemeClr val="tx1"/>
@@ -93,7 +93,7 @@
         <a:cs typeface="+mn-cs"/>
       </a:defRPr>
     </a:lvl8pPr>
-    <a:lvl9pPr marL="3657600" algn="l" defTabSz="914400" rtl="0" eaLnBrk="1" latinLnBrk="0" hangingPunct="1">
+    <a:lvl9pPr marL="3657600" algn="l" defTabSz="457200" rtl="0" eaLnBrk="1" latinLnBrk="0" hangingPunct="1">
       <a:defRPr sz="1800" kern="1200">
         <a:solidFill>
           <a:schemeClr val="tx1"/>
@@ -104,7 +104,247 @@
       </a:defRPr>
     </a:lvl9pPr>
   </p:defaultTextStyle>
+  <p:extLst>
+    <p:ext uri="{EFAFB233-063F-42B5-8137-9DF3F51BA10A}">
+      <p15:sldGuideLst xmlns:p15="http://schemas.microsoft.com/office/powerpoint/2012/main"/>
+    </p:ext>
+  </p:extLst>
 </p:presentation>
+</file>
+
+<file path=ppt/revisionInfo.xml><?xml version="1.0" encoding="utf-8"?>
+<p1510:revInfo xmlns:a="http://schemas.openxmlformats.org/drawingml/2006/main" xmlns:r="http://schemas.openxmlformats.org/officeDocument/2006/relationships" xmlns:p1510="http://schemas.microsoft.com/office/powerpoint/2015/10/main">
+  <p1510:revLst>
+    <p1510:client id="{775D688D-D59B-4A47-9D24-4B986E3F9B28}" v="19" dt="2024-02-23T14:55:46.831"/>
+  </p1510:revLst>
+</p1510:revInfo>
+</file>
+
+<file path=ppt/changesInfos/changesInfo1.xml><?xml version="1.0" encoding="utf-8"?>
+<pc:chgInfo xmlns:a="http://schemas.openxmlformats.org/drawingml/2006/main" xmlns:r="http://schemas.openxmlformats.org/officeDocument/2006/relationships" xmlns:ac="http://schemas.microsoft.com/office/drawing/2013/main/command" xmlns:pc="http://schemas.microsoft.com/office/powerpoint/2013/main/command">
+  <pc:docChgLst>
+    <pc:chgData name="Thomas O Fredericks" userId="9a40f032a9b16fc7" providerId="LiveId" clId="{775D688D-D59B-4A47-9D24-4B986E3F9B28}"/>
+    <pc:docChg chg="undo custSel modSld modMainMaster">
+      <pc:chgData name="Thomas O Fredericks" userId="9a40f032a9b16fc7" providerId="LiveId" clId="{775D688D-D59B-4A47-9D24-4B986E3F9B28}" dt="2024-02-23T14:56:50.029" v="143" actId="20577"/>
+      <pc:docMkLst>
+        <pc:docMk/>
+      </pc:docMkLst>
+      <pc:sldChg chg="addSp delSp modSp mod modClrScheme chgLayout">
+        <pc:chgData name="Thomas O Fredericks" userId="9a40f032a9b16fc7" providerId="LiveId" clId="{775D688D-D59B-4A47-9D24-4B986E3F9B28}" dt="2024-02-23T14:56:30.854" v="137" actId="1037"/>
+        <pc:sldMkLst>
+          <pc:docMk/>
+          <pc:sldMk cId="4227435988" sldId="257"/>
+        </pc:sldMkLst>
+        <pc:spChg chg="add mod ord">
+          <ac:chgData name="Thomas O Fredericks" userId="9a40f032a9b16fc7" providerId="LiveId" clId="{775D688D-D59B-4A47-9D24-4B986E3F9B28}" dt="2024-02-23T14:56:30.854" v="137" actId="1037"/>
+          <ac:spMkLst>
+            <pc:docMk/>
+            <pc:sldMk cId="4227435988" sldId="257"/>
+            <ac:spMk id="9" creationId="{94DCBB39-D41F-DBAE-5B06-E9B22F59DEEF}"/>
+          </ac:spMkLst>
+        </pc:spChg>
+        <pc:spChg chg="add del mod">
+          <ac:chgData name="Thomas O Fredericks" userId="9a40f032a9b16fc7" providerId="LiveId" clId="{775D688D-D59B-4A47-9D24-4B986E3F9B28}" dt="2024-02-23T14:46:01.417" v="35" actId="6264"/>
+          <ac:spMkLst>
+            <pc:docMk/>
+            <pc:sldMk cId="4227435988" sldId="257"/>
+            <ac:spMk id="10" creationId="{E009D7AB-72C7-D1DA-C8CE-1E4D082E5FA8}"/>
+          </ac:spMkLst>
+        </pc:spChg>
+        <pc:spChg chg="add del mod">
+          <ac:chgData name="Thomas O Fredericks" userId="9a40f032a9b16fc7" providerId="LiveId" clId="{775D688D-D59B-4A47-9D24-4B986E3F9B28}" dt="2024-02-23T14:46:46.604" v="38" actId="6264"/>
+          <ac:spMkLst>
+            <pc:docMk/>
+            <pc:sldMk cId="4227435988" sldId="257"/>
+            <ac:spMk id="11" creationId="{59CF4E41-84B8-ADE5-775C-38CC5DA94F5F}"/>
+          </ac:spMkLst>
+        </pc:spChg>
+        <pc:spChg chg="add del mod">
+          <ac:chgData name="Thomas O Fredericks" userId="9a40f032a9b16fc7" providerId="LiveId" clId="{775D688D-D59B-4A47-9D24-4B986E3F9B28}" dt="2024-02-23T14:51:08.710" v="107" actId="6264"/>
+          <ac:spMkLst>
+            <pc:docMk/>
+            <pc:sldMk cId="4227435988" sldId="257"/>
+            <ac:spMk id="12" creationId="{950F2D95-6146-3944-3E41-EECA8480A5FD}"/>
+          </ac:spMkLst>
+        </pc:spChg>
+        <pc:spChg chg="mod">
+          <ac:chgData name="Thomas O Fredericks" userId="9a40f032a9b16fc7" providerId="LiveId" clId="{775D688D-D59B-4A47-9D24-4B986E3F9B28}" dt="2024-02-23T14:55:54.796" v="128" actId="1076"/>
+          <ac:spMkLst>
+            <pc:docMk/>
+            <pc:sldMk cId="4227435988" sldId="257"/>
+            <ac:spMk id="13" creationId="{F98D4D98-2407-1990-BE64-B116E2872B98}"/>
+          </ac:spMkLst>
+        </pc:spChg>
+        <pc:spChg chg="mod">
+          <ac:chgData name="Thomas O Fredericks" userId="9a40f032a9b16fc7" providerId="LiveId" clId="{775D688D-D59B-4A47-9D24-4B986E3F9B28}" dt="2024-02-23T14:55:54.796" v="128" actId="1076"/>
+          <ac:spMkLst>
+            <pc:docMk/>
+            <pc:sldMk cId="4227435988" sldId="257"/>
+            <ac:spMk id="14" creationId="{FA3E5F24-8E39-0DFF-27CD-1065210C0CB6}"/>
+          </ac:spMkLst>
+        </pc:spChg>
+        <pc:spChg chg="mod">
+          <ac:chgData name="Thomas O Fredericks" userId="9a40f032a9b16fc7" providerId="LiveId" clId="{775D688D-D59B-4A47-9D24-4B986E3F9B28}" dt="2024-02-23T14:55:54.796" v="128" actId="1076"/>
+          <ac:spMkLst>
+            <pc:docMk/>
+            <pc:sldMk cId="4227435988" sldId="257"/>
+            <ac:spMk id="15" creationId="{51B2D682-DC22-4094-0653-FC6A1C7917AC}"/>
+          </ac:spMkLst>
+        </pc:spChg>
+        <pc:spChg chg="mod">
+          <ac:chgData name="Thomas O Fredericks" userId="9a40f032a9b16fc7" providerId="LiveId" clId="{775D688D-D59B-4A47-9D24-4B986E3F9B28}" dt="2024-02-23T14:55:54.796" v="128" actId="1076"/>
+          <ac:spMkLst>
+            <pc:docMk/>
+            <pc:sldMk cId="4227435988" sldId="257"/>
+            <ac:spMk id="16" creationId="{15DEEDCA-B2DE-887D-66AA-B84769DB67BD}"/>
+          </ac:spMkLst>
+        </pc:spChg>
+        <pc:spChg chg="mod">
+          <ac:chgData name="Thomas O Fredericks" userId="9a40f032a9b16fc7" providerId="LiveId" clId="{775D688D-D59B-4A47-9D24-4B986E3F9B28}" dt="2024-02-23T14:55:54.796" v="128" actId="1076"/>
+          <ac:spMkLst>
+            <pc:docMk/>
+            <pc:sldMk cId="4227435988" sldId="257"/>
+            <ac:spMk id="17" creationId="{86A71E05-E330-17F9-9671-4501C60C44FE}"/>
+          </ac:spMkLst>
+        </pc:spChg>
+        <pc:spChg chg="del">
+          <ac:chgData name="Thomas O Fredericks" userId="9a40f032a9b16fc7" providerId="LiveId" clId="{775D688D-D59B-4A47-9D24-4B986E3F9B28}" dt="2024-02-23T14:50:03.717" v="97" actId="478"/>
+          <ac:spMkLst>
+            <pc:docMk/>
+            <pc:sldMk cId="4227435988" sldId="257"/>
+            <ac:spMk id="18" creationId="{69D264CF-4EE3-1681-4225-9F60584835F6}"/>
+          </ac:spMkLst>
+        </pc:spChg>
+        <pc:picChg chg="del">
+          <ac:chgData name="Thomas O Fredericks" userId="9a40f032a9b16fc7" providerId="LiveId" clId="{775D688D-D59B-4A47-9D24-4B986E3F9B28}" dt="2024-02-23T14:39:43.521" v="0" actId="478"/>
+          <ac:picMkLst>
+            <pc:docMk/>
+            <pc:sldMk cId="4227435988" sldId="257"/>
+            <ac:picMk id="3" creationId="{6464DF5F-6F9B-68A5-A7B8-FF8A362B5F59}"/>
+          </ac:picMkLst>
+        </pc:picChg>
+        <pc:picChg chg="add mod ord">
+          <ac:chgData name="Thomas O Fredericks" userId="9a40f032a9b16fc7" providerId="LiveId" clId="{775D688D-D59B-4A47-9D24-4B986E3F9B28}" dt="2024-02-23T14:55:54.796" v="128" actId="1076"/>
+          <ac:picMkLst>
+            <pc:docMk/>
+            <pc:sldMk cId="4227435988" sldId="257"/>
+            <ac:picMk id="4" creationId="{68BEDEDB-03FA-D81A-F486-EA5785C30935}"/>
+          </ac:picMkLst>
+        </pc:picChg>
+        <pc:picChg chg="del">
+          <ac:chgData name="Thomas O Fredericks" userId="9a40f032a9b16fc7" providerId="LiveId" clId="{775D688D-D59B-4A47-9D24-4B986E3F9B28}" dt="2024-02-23T14:43:04.821" v="4" actId="478"/>
+          <ac:picMkLst>
+            <pc:docMk/>
+            <pc:sldMk cId="4227435988" sldId="257"/>
+            <ac:picMk id="5" creationId="{246DF256-FDE4-C227-6C6A-B5B0786D6128}"/>
+          </ac:picMkLst>
+        </pc:picChg>
+        <pc:picChg chg="del mod">
+          <ac:chgData name="Thomas O Fredericks" userId="9a40f032a9b16fc7" providerId="LiveId" clId="{775D688D-D59B-4A47-9D24-4B986E3F9B28}" dt="2024-02-23T14:50:50.661" v="106" actId="478"/>
+          <ac:picMkLst>
+            <pc:docMk/>
+            <pc:sldMk cId="4227435988" sldId="257"/>
+            <ac:picMk id="7" creationId="{0060C74C-549E-3AF0-8987-414816217927}"/>
+          </ac:picMkLst>
+        </pc:picChg>
+        <pc:picChg chg="add mod ord">
+          <ac:chgData name="Thomas O Fredericks" userId="9a40f032a9b16fc7" providerId="LiveId" clId="{775D688D-D59B-4A47-9D24-4B986E3F9B28}" dt="2024-02-23T14:55:54.796" v="128" actId="1076"/>
+          <ac:picMkLst>
+            <pc:docMk/>
+            <pc:sldMk cId="4227435988" sldId="257"/>
+            <ac:picMk id="8" creationId="{D3D200B5-039F-4832-B1AD-7FD6750A533A}"/>
+          </ac:picMkLst>
+        </pc:picChg>
+        <pc:picChg chg="add mod ord">
+          <ac:chgData name="Thomas O Fredericks" userId="9a40f032a9b16fc7" providerId="LiveId" clId="{775D688D-D59B-4A47-9D24-4B986E3F9B28}" dt="2024-02-23T14:55:54.796" v="128" actId="1076"/>
+          <ac:picMkLst>
+            <pc:docMk/>
+            <pc:sldMk cId="4227435988" sldId="257"/>
+            <ac:picMk id="20" creationId="{8DC36F6E-EC1A-C2E9-CD7C-AB051442C237}"/>
+          </ac:picMkLst>
+        </pc:picChg>
+      </pc:sldChg>
+      <pc:sldMasterChg chg="modSldLayout">
+        <pc:chgData name="Thomas O Fredericks" userId="9a40f032a9b16fc7" providerId="LiveId" clId="{775D688D-D59B-4A47-9D24-4B986E3F9B28}" dt="2024-02-23T14:56:50.029" v="143" actId="20577"/>
+        <pc:sldMasterMkLst>
+          <pc:docMk/>
+          <pc:sldMasterMk cId="1427718496" sldId="2147483660"/>
+        </pc:sldMasterMkLst>
+        <pc:sldLayoutChg chg="addSp delSp modSp mod">
+          <pc:chgData name="Thomas O Fredericks" userId="9a40f032a9b16fc7" providerId="LiveId" clId="{775D688D-D59B-4A47-9D24-4B986E3F9B28}" dt="2024-02-23T14:56:50.029" v="143" actId="20577"/>
+          <pc:sldLayoutMkLst>
+            <pc:docMk/>
+            <pc:sldMasterMk cId="1427718496" sldId="2147483660"/>
+            <pc:sldLayoutMk cId="39463132" sldId="2147483666"/>
+          </pc:sldLayoutMkLst>
+          <pc:spChg chg="del">
+            <ac:chgData name="Thomas O Fredericks" userId="9a40f032a9b16fc7" providerId="LiveId" clId="{775D688D-D59B-4A47-9D24-4B986E3F9B28}" dt="2024-02-23T14:45:08.909" v="9" actId="478"/>
+            <ac:spMkLst>
+              <pc:docMk/>
+              <pc:sldMasterMk cId="1427718496" sldId="2147483660"/>
+              <pc:sldLayoutMk cId="39463132" sldId="2147483666"/>
+              <ac:spMk id="2" creationId="{00000000-0000-0000-0000-000000000000}"/>
+            </ac:spMkLst>
+          </pc:spChg>
+          <pc:spChg chg="del">
+            <ac:chgData name="Thomas O Fredericks" userId="9a40f032a9b16fc7" providerId="LiveId" clId="{775D688D-D59B-4A47-9D24-4B986E3F9B28}" dt="2024-02-23T14:45:08.909" v="9" actId="478"/>
+            <ac:spMkLst>
+              <pc:docMk/>
+              <pc:sldMasterMk cId="1427718496" sldId="2147483660"/>
+              <pc:sldLayoutMk cId="39463132" sldId="2147483666"/>
+              <ac:spMk id="3" creationId="{00000000-0000-0000-0000-000000000000}"/>
+            </ac:spMkLst>
+          </pc:spChg>
+          <pc:spChg chg="del">
+            <ac:chgData name="Thomas O Fredericks" userId="9a40f032a9b16fc7" providerId="LiveId" clId="{775D688D-D59B-4A47-9D24-4B986E3F9B28}" dt="2024-02-23T14:45:08.909" v="9" actId="478"/>
+            <ac:spMkLst>
+              <pc:docMk/>
+              <pc:sldMasterMk cId="1427718496" sldId="2147483660"/>
+              <pc:sldLayoutMk cId="39463132" sldId="2147483666"/>
+              <ac:spMk id="4" creationId="{00000000-0000-0000-0000-000000000000}"/>
+            </ac:spMkLst>
+          </pc:spChg>
+          <pc:spChg chg="del">
+            <ac:chgData name="Thomas O Fredericks" userId="9a40f032a9b16fc7" providerId="LiveId" clId="{775D688D-D59B-4A47-9D24-4B986E3F9B28}" dt="2024-02-23T14:45:08.909" v="9" actId="478"/>
+            <ac:spMkLst>
+              <pc:docMk/>
+              <pc:sldMasterMk cId="1427718496" sldId="2147483660"/>
+              <pc:sldLayoutMk cId="39463132" sldId="2147483666"/>
+              <ac:spMk id="5" creationId="{00000000-0000-0000-0000-000000000000}"/>
+            </ac:spMkLst>
+          </pc:spChg>
+          <pc:spChg chg="add mod">
+            <ac:chgData name="Thomas O Fredericks" userId="9a40f032a9b16fc7" providerId="LiveId" clId="{775D688D-D59B-4A47-9D24-4B986E3F9B28}" dt="2024-02-23T14:45:10.130" v="10"/>
+            <ac:spMkLst>
+              <pc:docMk/>
+              <pc:sldMasterMk cId="1427718496" sldId="2147483660"/>
+              <pc:sldLayoutMk cId="39463132" sldId="2147483666"/>
+              <ac:spMk id="6" creationId="{558E004F-C3E5-2E81-C8F1-B74A33E267DB}"/>
+            </ac:spMkLst>
+          </pc:spChg>
+          <pc:spChg chg="add mod">
+            <ac:chgData name="Thomas O Fredericks" userId="9a40f032a9b16fc7" providerId="LiveId" clId="{775D688D-D59B-4A47-9D24-4B986E3F9B28}" dt="2024-02-23T14:46:41.357" v="37" actId="14100"/>
+            <ac:spMkLst>
+              <pc:docMk/>
+              <pc:sldMasterMk cId="1427718496" sldId="2147483660"/>
+              <pc:sldLayoutMk cId="39463132" sldId="2147483666"/>
+              <ac:spMk id="7" creationId="{C9DCBBA3-5FE5-CB64-50E6-50DD61CD9E98}"/>
+            </ac:spMkLst>
+          </pc:spChg>
+          <pc:spChg chg="add mod">
+            <ac:chgData name="Thomas O Fredericks" userId="9a40f032a9b16fc7" providerId="LiveId" clId="{775D688D-D59B-4A47-9D24-4B986E3F9B28}" dt="2024-02-23T14:56:50.029" v="143" actId="20577"/>
+            <ac:spMkLst>
+              <pc:docMk/>
+              <pc:sldMasterMk cId="1427718496" sldId="2147483660"/>
+              <pc:sldLayoutMk cId="39463132" sldId="2147483666"/>
+              <ac:spMk id="8" creationId="{A8D6ED9D-2A0E-3765-3B11-DCC951F2D515}"/>
+            </ac:spMkLst>
+          </pc:spChg>
+        </pc:sldLayoutChg>
+      </pc:sldMasterChg>
+    </pc:docChg>
+  </pc:docChgLst>
+</pc:chgInfo>
 </file>
 
 <file path=ppt/slideLayouts/slideLayout1.xml><?xml version="1.0" encoding="utf-8"?>
@@ -126,13 +366,7 @@
       </p:grpSpPr>
       <p:sp>
         <p:nvSpPr>
-          <p:cNvPr id="2" name="Titre 1">
-            <a:extLst>
-              <a:ext uri="{FF2B5EF4-FFF2-40B4-BE49-F238E27FC236}">
-                <a16:creationId xmlns:a16="http://schemas.microsoft.com/office/drawing/2014/main" id="{4D52C0E3-658D-1D1A-2FB8-1BD9A913EA52}"/>
-              </a:ext>
-            </a:extLst>
-          </p:cNvPr>
+          <p:cNvPr id="2" name="Title 1"/>
           <p:cNvSpPr>
             <a:spLocks noGrp="1"/>
           </p:cNvSpPr>
@@ -142,8 +376,8 @@
         </p:nvSpPr>
         <p:spPr>
           <a:xfrm>
-            <a:off x="1524000" y="1122363"/>
-            <a:ext cx="9144000" cy="2387600"/>
+            <a:off x="685800" y="1122363"/>
+            <a:ext cx="7772400" cy="2387600"/>
           </a:xfrm>
         </p:spPr>
         <p:txBody>
@@ -158,19 +392,13 @@
               <a:rPr lang="fr-FR"/>
               <a:t>Modifiez le style du titre</a:t>
             </a:r>
-            <a:endParaRPr lang="fr-CA"/>
-          </a:p>
-        </p:txBody>
-      </p:sp>
-      <p:sp>
-        <p:nvSpPr>
-          <p:cNvPr id="3" name="Sous-titre 2">
-            <a:extLst>
-              <a:ext uri="{FF2B5EF4-FFF2-40B4-BE49-F238E27FC236}">
-                <a16:creationId xmlns:a16="http://schemas.microsoft.com/office/drawing/2014/main" id="{626C56F7-715E-1671-2452-91326B3A6B56}"/>
-              </a:ext>
-            </a:extLst>
-          </p:cNvPr>
+            <a:endParaRPr lang="en-US" dirty="0"/>
+          </a:p>
+        </p:txBody>
+      </p:sp>
+      <p:sp>
+        <p:nvSpPr>
+          <p:cNvPr id="3" name="Subtitle 2"/>
           <p:cNvSpPr>
             <a:spLocks noGrp="1"/>
           </p:cNvSpPr>
@@ -180,8 +408,8 @@
         </p:nvSpPr>
         <p:spPr>
           <a:xfrm>
-            <a:off x="1524000" y="3602038"/>
-            <a:ext cx="9144000" cy="1655762"/>
+            <a:off x="1143000" y="3602038"/>
+            <a:ext cx="6858000" cy="1655762"/>
           </a:xfrm>
         </p:spPr>
         <p:txBody>
@@ -229,19 +457,13 @@
               <a:rPr lang="fr-FR"/>
               <a:t>Modifiez le style des sous-titres du masque</a:t>
             </a:r>
-            <a:endParaRPr lang="fr-CA"/>
-          </a:p>
-        </p:txBody>
-      </p:sp>
-      <p:sp>
-        <p:nvSpPr>
-          <p:cNvPr id="4" name="Espace réservé de la date 3">
-            <a:extLst>
-              <a:ext uri="{FF2B5EF4-FFF2-40B4-BE49-F238E27FC236}">
-                <a16:creationId xmlns:a16="http://schemas.microsoft.com/office/drawing/2014/main" id="{C8E89CF1-07E0-38F6-E6E2-6FE810BAD246}"/>
-              </a:ext>
-            </a:extLst>
-          </p:cNvPr>
+            <a:endParaRPr lang="en-US" dirty="0"/>
+          </a:p>
+        </p:txBody>
+      </p:sp>
+      <p:sp>
+        <p:nvSpPr>
+          <p:cNvPr id="4" name="Date Placeholder 3"/>
           <p:cNvSpPr>
             <a:spLocks noGrp="1"/>
           </p:cNvSpPr>
@@ -256,7 +478,7 @@
           <a:p>
             <a:fld id="{713F76DE-9537-41DE-9976-4F7B46FFBDC1}" type="datetimeFigureOut">
               <a:rPr lang="fr-CA" smtClean="0"/>
-              <a:t>2023-02-20</a:t>
+              <a:t>2024-02-23</a:t>
             </a:fld>
             <a:endParaRPr lang="fr-CA"/>
           </a:p>
@@ -264,13 +486,7 @@
       </p:sp>
       <p:sp>
         <p:nvSpPr>
-          <p:cNvPr id="5" name="Espace réservé du pied de page 4">
-            <a:extLst>
-              <a:ext uri="{FF2B5EF4-FFF2-40B4-BE49-F238E27FC236}">
-                <a16:creationId xmlns:a16="http://schemas.microsoft.com/office/drawing/2014/main" id="{A325595D-1CFC-71F5-2A3E-FD63EBEA0AAD}"/>
-              </a:ext>
-            </a:extLst>
-          </p:cNvPr>
+          <p:cNvPr id="5" name="Footer Placeholder 4"/>
           <p:cNvSpPr>
             <a:spLocks noGrp="1"/>
           </p:cNvSpPr>
@@ -289,13 +505,7 @@
       </p:sp>
       <p:sp>
         <p:nvSpPr>
-          <p:cNvPr id="6" name="Espace réservé du numéro de diapositive 5">
-            <a:extLst>
-              <a:ext uri="{FF2B5EF4-FFF2-40B4-BE49-F238E27FC236}">
-                <a16:creationId xmlns:a16="http://schemas.microsoft.com/office/drawing/2014/main" id="{8C03E1A5-3B0C-C127-CDA7-F36ED8DB0238}"/>
-              </a:ext>
-            </a:extLst>
-          </p:cNvPr>
+          <p:cNvPr id="6" name="Slide Number Placeholder 5"/>
           <p:cNvSpPr>
             <a:spLocks noGrp="1"/>
           </p:cNvSpPr>
@@ -319,7 +529,7 @@
     </p:spTree>
     <p:extLst>
       <p:ext uri="{BB962C8B-B14F-4D97-AF65-F5344CB8AC3E}">
-        <p14:creationId xmlns:p14="http://schemas.microsoft.com/office/powerpoint/2010/main" val="640567821"/>
+        <p14:creationId xmlns:p14="http://schemas.microsoft.com/office/powerpoint/2010/main" val="875986042"/>
       </p:ext>
     </p:extLst>
   </p:cSld>
@@ -348,13 +558,7 @@
       </p:grpSpPr>
       <p:sp>
         <p:nvSpPr>
-          <p:cNvPr id="2" name="Titre 1">
-            <a:extLst>
-              <a:ext uri="{FF2B5EF4-FFF2-40B4-BE49-F238E27FC236}">
-                <a16:creationId xmlns:a16="http://schemas.microsoft.com/office/drawing/2014/main" id="{AEB6D5B4-E878-1D1A-69C7-CA36A842BEB9}"/>
-              </a:ext>
-            </a:extLst>
-          </p:cNvPr>
+          <p:cNvPr id="2" name="Title 1"/>
           <p:cNvSpPr>
             <a:spLocks noGrp="1"/>
           </p:cNvSpPr>
@@ -371,19 +575,13 @@
               <a:rPr lang="fr-FR"/>
               <a:t>Modifiez le style du titre</a:t>
             </a:r>
-            <a:endParaRPr lang="fr-CA"/>
-          </a:p>
-        </p:txBody>
-      </p:sp>
-      <p:sp>
-        <p:nvSpPr>
-          <p:cNvPr id="3" name="Espace réservé du texte vertical 2">
-            <a:extLst>
-              <a:ext uri="{FF2B5EF4-FFF2-40B4-BE49-F238E27FC236}">
-                <a16:creationId xmlns:a16="http://schemas.microsoft.com/office/drawing/2014/main" id="{66F65C01-F231-D223-3B9E-8D39D14724BA}"/>
-              </a:ext>
-            </a:extLst>
-          </p:cNvPr>
+            <a:endParaRPr lang="en-US" dirty="0"/>
+          </a:p>
+        </p:txBody>
+      </p:sp>
+      <p:sp>
+        <p:nvSpPr>
+          <p:cNvPr id="3" name="Vertical Text Placeholder 2"/>
           <p:cNvSpPr>
             <a:spLocks noGrp="1"/>
           </p:cNvSpPr>
@@ -429,19 +627,13 @@
               <a:rPr lang="fr-FR"/>
               <a:t>Cinquième niveau</a:t>
             </a:r>
-            <a:endParaRPr lang="fr-CA"/>
-          </a:p>
-        </p:txBody>
-      </p:sp>
-      <p:sp>
-        <p:nvSpPr>
-          <p:cNvPr id="4" name="Espace réservé de la date 3">
-            <a:extLst>
-              <a:ext uri="{FF2B5EF4-FFF2-40B4-BE49-F238E27FC236}">
-                <a16:creationId xmlns:a16="http://schemas.microsoft.com/office/drawing/2014/main" id="{77557BC1-76EE-3F9D-04CE-31523C2E0111}"/>
-              </a:ext>
-            </a:extLst>
-          </p:cNvPr>
+            <a:endParaRPr lang="en-US" dirty="0"/>
+          </a:p>
+        </p:txBody>
+      </p:sp>
+      <p:sp>
+        <p:nvSpPr>
+          <p:cNvPr id="4" name="Date Placeholder 3"/>
           <p:cNvSpPr>
             <a:spLocks noGrp="1"/>
           </p:cNvSpPr>
@@ -456,7 +648,7 @@
           <a:p>
             <a:fld id="{713F76DE-9537-41DE-9976-4F7B46FFBDC1}" type="datetimeFigureOut">
               <a:rPr lang="fr-CA" smtClean="0"/>
-              <a:t>2023-02-20</a:t>
+              <a:t>2024-02-23</a:t>
             </a:fld>
             <a:endParaRPr lang="fr-CA"/>
           </a:p>
@@ -464,13 +656,7 @@
       </p:sp>
       <p:sp>
         <p:nvSpPr>
-          <p:cNvPr id="5" name="Espace réservé du pied de page 4">
-            <a:extLst>
-              <a:ext uri="{FF2B5EF4-FFF2-40B4-BE49-F238E27FC236}">
-                <a16:creationId xmlns:a16="http://schemas.microsoft.com/office/drawing/2014/main" id="{ADA3D5FF-1A45-33AD-1BC8-C60D650C2132}"/>
-              </a:ext>
-            </a:extLst>
-          </p:cNvPr>
+          <p:cNvPr id="5" name="Footer Placeholder 4"/>
           <p:cNvSpPr>
             <a:spLocks noGrp="1"/>
           </p:cNvSpPr>
@@ -489,13 +675,7 @@
       </p:sp>
       <p:sp>
         <p:nvSpPr>
-          <p:cNvPr id="6" name="Espace réservé du numéro de diapositive 5">
-            <a:extLst>
-              <a:ext uri="{FF2B5EF4-FFF2-40B4-BE49-F238E27FC236}">
-                <a16:creationId xmlns:a16="http://schemas.microsoft.com/office/drawing/2014/main" id="{06DD17A1-CFFB-27A0-BFBF-5269E6CC8246}"/>
-              </a:ext>
-            </a:extLst>
-          </p:cNvPr>
+          <p:cNvPr id="6" name="Slide Number Placeholder 5"/>
           <p:cNvSpPr>
             <a:spLocks noGrp="1"/>
           </p:cNvSpPr>
@@ -519,7 +699,7 @@
     </p:spTree>
     <p:extLst>
       <p:ext uri="{BB962C8B-B14F-4D97-AF65-F5344CB8AC3E}">
-        <p14:creationId xmlns:p14="http://schemas.microsoft.com/office/powerpoint/2010/main" val="373192523"/>
+        <p14:creationId xmlns:p14="http://schemas.microsoft.com/office/powerpoint/2010/main" val="4036925503"/>
       </p:ext>
     </p:extLst>
   </p:cSld>
@@ -548,13 +728,7 @@
       </p:grpSpPr>
       <p:sp>
         <p:nvSpPr>
-          <p:cNvPr id="2" name="Titre vertical 1">
-            <a:extLst>
-              <a:ext uri="{FF2B5EF4-FFF2-40B4-BE49-F238E27FC236}">
-                <a16:creationId xmlns:a16="http://schemas.microsoft.com/office/drawing/2014/main" id="{C548BABE-FBC6-4314-0878-208A7F0AFD9D}"/>
-              </a:ext>
-            </a:extLst>
-          </p:cNvPr>
+          <p:cNvPr id="2" name="Vertical Title 1"/>
           <p:cNvSpPr>
             <a:spLocks noGrp="1"/>
           </p:cNvSpPr>
@@ -564,8 +738,8 @@
         </p:nvSpPr>
         <p:spPr>
           <a:xfrm>
-            <a:off x="8724900" y="365125"/>
-            <a:ext cx="2628900" cy="5811838"/>
+            <a:off x="6543675" y="365125"/>
+            <a:ext cx="1971675" cy="5811838"/>
           </a:xfrm>
         </p:spPr>
         <p:txBody>
@@ -576,19 +750,13 @@
               <a:rPr lang="fr-FR"/>
               <a:t>Modifiez le style du titre</a:t>
             </a:r>
-            <a:endParaRPr lang="fr-CA"/>
-          </a:p>
-        </p:txBody>
-      </p:sp>
-      <p:sp>
-        <p:nvSpPr>
-          <p:cNvPr id="3" name="Espace réservé du texte vertical 2">
-            <a:extLst>
-              <a:ext uri="{FF2B5EF4-FFF2-40B4-BE49-F238E27FC236}">
-                <a16:creationId xmlns:a16="http://schemas.microsoft.com/office/drawing/2014/main" id="{C363C7DA-4626-1F1C-5DF0-038C4EB6CD21}"/>
-              </a:ext>
-            </a:extLst>
-          </p:cNvPr>
+            <a:endParaRPr lang="en-US" dirty="0"/>
+          </a:p>
+        </p:txBody>
+      </p:sp>
+      <p:sp>
+        <p:nvSpPr>
+          <p:cNvPr id="3" name="Vertical Text Placeholder 2"/>
           <p:cNvSpPr>
             <a:spLocks noGrp="1"/>
           </p:cNvSpPr>
@@ -598,8 +766,8 @@
         </p:nvSpPr>
         <p:spPr>
           <a:xfrm>
-            <a:off x="838200" y="365125"/>
-            <a:ext cx="7734300" cy="5811838"/>
+            <a:off x="628650" y="365125"/>
+            <a:ext cx="5800725" cy="5811838"/>
           </a:xfrm>
         </p:spPr>
         <p:txBody>
@@ -639,19 +807,13 @@
               <a:rPr lang="fr-FR"/>
               <a:t>Cinquième niveau</a:t>
             </a:r>
-            <a:endParaRPr lang="fr-CA"/>
-          </a:p>
-        </p:txBody>
-      </p:sp>
-      <p:sp>
-        <p:nvSpPr>
-          <p:cNvPr id="4" name="Espace réservé de la date 3">
-            <a:extLst>
-              <a:ext uri="{FF2B5EF4-FFF2-40B4-BE49-F238E27FC236}">
-                <a16:creationId xmlns:a16="http://schemas.microsoft.com/office/drawing/2014/main" id="{AE6717F8-6967-6DC2-E2AF-7AEBB2BB243C}"/>
-              </a:ext>
-            </a:extLst>
-          </p:cNvPr>
+            <a:endParaRPr lang="en-US" dirty="0"/>
+          </a:p>
+        </p:txBody>
+      </p:sp>
+      <p:sp>
+        <p:nvSpPr>
+          <p:cNvPr id="4" name="Date Placeholder 3"/>
           <p:cNvSpPr>
             <a:spLocks noGrp="1"/>
           </p:cNvSpPr>
@@ -666,7 +828,7 @@
           <a:p>
             <a:fld id="{713F76DE-9537-41DE-9976-4F7B46FFBDC1}" type="datetimeFigureOut">
               <a:rPr lang="fr-CA" smtClean="0"/>
-              <a:t>2023-02-20</a:t>
+              <a:t>2024-02-23</a:t>
             </a:fld>
             <a:endParaRPr lang="fr-CA"/>
           </a:p>
@@ -674,13 +836,7 @@
       </p:sp>
       <p:sp>
         <p:nvSpPr>
-          <p:cNvPr id="5" name="Espace réservé du pied de page 4">
-            <a:extLst>
-              <a:ext uri="{FF2B5EF4-FFF2-40B4-BE49-F238E27FC236}">
-                <a16:creationId xmlns:a16="http://schemas.microsoft.com/office/drawing/2014/main" id="{5DE24938-2D92-E27E-4DD0-11661416B1B4}"/>
-              </a:ext>
-            </a:extLst>
-          </p:cNvPr>
+          <p:cNvPr id="5" name="Footer Placeholder 4"/>
           <p:cNvSpPr>
             <a:spLocks noGrp="1"/>
           </p:cNvSpPr>
@@ -699,13 +855,7 @@
       </p:sp>
       <p:sp>
         <p:nvSpPr>
-          <p:cNvPr id="6" name="Espace réservé du numéro de diapositive 5">
-            <a:extLst>
-              <a:ext uri="{FF2B5EF4-FFF2-40B4-BE49-F238E27FC236}">
-                <a16:creationId xmlns:a16="http://schemas.microsoft.com/office/drawing/2014/main" id="{F06A2F8A-2536-9B05-166A-ECDBD404EC7D}"/>
-              </a:ext>
-            </a:extLst>
-          </p:cNvPr>
+          <p:cNvPr id="6" name="Slide Number Placeholder 5"/>
           <p:cNvSpPr>
             <a:spLocks noGrp="1"/>
           </p:cNvSpPr>
@@ -729,7 +879,7 @@
     </p:spTree>
     <p:extLst>
       <p:ext uri="{BB962C8B-B14F-4D97-AF65-F5344CB8AC3E}">
-        <p14:creationId xmlns:p14="http://schemas.microsoft.com/office/powerpoint/2010/main" val="1223282771"/>
+        <p14:creationId xmlns:p14="http://schemas.microsoft.com/office/powerpoint/2010/main" val="1854964272"/>
       </p:ext>
     </p:extLst>
   </p:cSld>
@@ -758,13 +908,7 @@
       </p:grpSpPr>
       <p:sp>
         <p:nvSpPr>
-          <p:cNvPr id="2" name="Titre 1">
-            <a:extLst>
-              <a:ext uri="{FF2B5EF4-FFF2-40B4-BE49-F238E27FC236}">
-                <a16:creationId xmlns:a16="http://schemas.microsoft.com/office/drawing/2014/main" id="{B9AD75C3-49A2-3BCE-0C9E-A2D991266BE7}"/>
-              </a:ext>
-            </a:extLst>
-          </p:cNvPr>
+          <p:cNvPr id="2" name="Title 1"/>
           <p:cNvSpPr>
             <a:spLocks noGrp="1"/>
           </p:cNvSpPr>
@@ -781,19 +925,13 @@
               <a:rPr lang="fr-FR"/>
               <a:t>Modifiez le style du titre</a:t>
             </a:r>
-            <a:endParaRPr lang="fr-CA"/>
-          </a:p>
-        </p:txBody>
-      </p:sp>
-      <p:sp>
-        <p:nvSpPr>
-          <p:cNvPr id="3" name="Espace réservé du contenu 2">
-            <a:extLst>
-              <a:ext uri="{FF2B5EF4-FFF2-40B4-BE49-F238E27FC236}">
-                <a16:creationId xmlns:a16="http://schemas.microsoft.com/office/drawing/2014/main" id="{3C4C36D2-B121-AD4E-8E82-F5DB31980FDE}"/>
-              </a:ext>
-            </a:extLst>
-          </p:cNvPr>
+            <a:endParaRPr lang="en-US" dirty="0"/>
+          </a:p>
+        </p:txBody>
+      </p:sp>
+      <p:sp>
+        <p:nvSpPr>
+          <p:cNvPr id="3" name="Content Placeholder 2"/>
           <p:cNvSpPr>
             <a:spLocks noGrp="1"/>
           </p:cNvSpPr>
@@ -839,19 +977,13 @@
               <a:rPr lang="fr-FR"/>
               <a:t>Cinquième niveau</a:t>
             </a:r>
-            <a:endParaRPr lang="fr-CA"/>
-          </a:p>
-        </p:txBody>
-      </p:sp>
-      <p:sp>
-        <p:nvSpPr>
-          <p:cNvPr id="4" name="Espace réservé de la date 3">
-            <a:extLst>
-              <a:ext uri="{FF2B5EF4-FFF2-40B4-BE49-F238E27FC236}">
-                <a16:creationId xmlns:a16="http://schemas.microsoft.com/office/drawing/2014/main" id="{83438956-F6C5-350D-4B06-8EE50E606284}"/>
-              </a:ext>
-            </a:extLst>
-          </p:cNvPr>
+            <a:endParaRPr lang="en-US" dirty="0"/>
+          </a:p>
+        </p:txBody>
+      </p:sp>
+      <p:sp>
+        <p:nvSpPr>
+          <p:cNvPr id="4" name="Date Placeholder 3"/>
           <p:cNvSpPr>
             <a:spLocks noGrp="1"/>
           </p:cNvSpPr>
@@ -866,7 +998,7 @@
           <a:p>
             <a:fld id="{713F76DE-9537-41DE-9976-4F7B46FFBDC1}" type="datetimeFigureOut">
               <a:rPr lang="fr-CA" smtClean="0"/>
-              <a:t>2023-02-20</a:t>
+              <a:t>2024-02-23</a:t>
             </a:fld>
             <a:endParaRPr lang="fr-CA"/>
           </a:p>
@@ -874,13 +1006,7 @@
       </p:sp>
       <p:sp>
         <p:nvSpPr>
-          <p:cNvPr id="5" name="Espace réservé du pied de page 4">
-            <a:extLst>
-              <a:ext uri="{FF2B5EF4-FFF2-40B4-BE49-F238E27FC236}">
-                <a16:creationId xmlns:a16="http://schemas.microsoft.com/office/drawing/2014/main" id="{5C857304-2BE0-E271-0B6B-A41B1E7EEBEF}"/>
-              </a:ext>
-            </a:extLst>
-          </p:cNvPr>
+          <p:cNvPr id="5" name="Footer Placeholder 4"/>
           <p:cNvSpPr>
             <a:spLocks noGrp="1"/>
           </p:cNvSpPr>
@@ -899,13 +1025,7 @@
       </p:sp>
       <p:sp>
         <p:nvSpPr>
-          <p:cNvPr id="6" name="Espace réservé du numéro de diapositive 5">
-            <a:extLst>
-              <a:ext uri="{FF2B5EF4-FFF2-40B4-BE49-F238E27FC236}">
-                <a16:creationId xmlns:a16="http://schemas.microsoft.com/office/drawing/2014/main" id="{4892EC93-5C7A-AED4-5A87-0C256AAA5B92}"/>
-              </a:ext>
-            </a:extLst>
-          </p:cNvPr>
+          <p:cNvPr id="6" name="Slide Number Placeholder 5"/>
           <p:cNvSpPr>
             <a:spLocks noGrp="1"/>
           </p:cNvSpPr>
@@ -929,7 +1049,7 @@
     </p:spTree>
     <p:extLst>
       <p:ext uri="{BB962C8B-B14F-4D97-AF65-F5344CB8AC3E}">
-        <p14:creationId xmlns:p14="http://schemas.microsoft.com/office/powerpoint/2010/main" val="2158780234"/>
+        <p14:creationId xmlns:p14="http://schemas.microsoft.com/office/powerpoint/2010/main" val="2432696628"/>
       </p:ext>
     </p:extLst>
   </p:cSld>
@@ -958,13 +1078,7 @@
       </p:grpSpPr>
       <p:sp>
         <p:nvSpPr>
-          <p:cNvPr id="2" name="Titre 1">
-            <a:extLst>
-              <a:ext uri="{FF2B5EF4-FFF2-40B4-BE49-F238E27FC236}">
-                <a16:creationId xmlns:a16="http://schemas.microsoft.com/office/drawing/2014/main" id="{28726BE8-71EE-5DB3-2041-D8F401ECCB35}"/>
-              </a:ext>
-            </a:extLst>
-          </p:cNvPr>
+          <p:cNvPr id="2" name="Title 1"/>
           <p:cNvSpPr>
             <a:spLocks noGrp="1"/>
           </p:cNvSpPr>
@@ -974,8 +1088,8 @@
         </p:nvSpPr>
         <p:spPr>
           <a:xfrm>
-            <a:off x="831850" y="1709738"/>
-            <a:ext cx="10515600" cy="2852737"/>
+            <a:off x="623888" y="1709739"/>
+            <a:ext cx="7886700" cy="2852737"/>
           </a:xfrm>
         </p:spPr>
         <p:txBody>
@@ -990,19 +1104,13 @@
               <a:rPr lang="fr-FR"/>
               <a:t>Modifiez le style du titre</a:t>
             </a:r>
-            <a:endParaRPr lang="fr-CA"/>
-          </a:p>
-        </p:txBody>
-      </p:sp>
-      <p:sp>
-        <p:nvSpPr>
-          <p:cNvPr id="3" name="Espace réservé du texte 2">
-            <a:extLst>
-              <a:ext uri="{FF2B5EF4-FFF2-40B4-BE49-F238E27FC236}">
-                <a16:creationId xmlns:a16="http://schemas.microsoft.com/office/drawing/2014/main" id="{203434DD-BF01-7493-CBDE-FC5C0824F9D3}"/>
-              </a:ext>
-            </a:extLst>
-          </p:cNvPr>
+            <a:endParaRPr lang="en-US" dirty="0"/>
+          </a:p>
+        </p:txBody>
+      </p:sp>
+      <p:sp>
+        <p:nvSpPr>
+          <p:cNvPr id="3" name="Text Placeholder 2"/>
           <p:cNvSpPr>
             <a:spLocks noGrp="1"/>
           </p:cNvSpPr>
@@ -1012,8 +1120,8 @@
         </p:nvSpPr>
         <p:spPr>
           <a:xfrm>
-            <a:off x="831850" y="4589463"/>
-            <a:ext cx="10515600" cy="1500187"/>
+            <a:off x="623888" y="4589464"/>
+            <a:ext cx="7886700" cy="1500187"/>
           </a:xfrm>
         </p:spPr>
         <p:txBody>
@@ -1023,9 +1131,7 @@
               <a:buNone/>
               <a:defRPr sz="2400">
                 <a:solidFill>
-                  <a:schemeClr val="tx1">
-                    <a:tint val="75000"/>
-                  </a:schemeClr>
+                  <a:schemeClr val="tx1"/>
                 </a:solidFill>
               </a:defRPr>
             </a:lvl1pPr>
@@ -1121,13 +1227,7 @@
       </p:sp>
       <p:sp>
         <p:nvSpPr>
-          <p:cNvPr id="4" name="Espace réservé de la date 3">
-            <a:extLst>
-              <a:ext uri="{FF2B5EF4-FFF2-40B4-BE49-F238E27FC236}">
-                <a16:creationId xmlns:a16="http://schemas.microsoft.com/office/drawing/2014/main" id="{D5629A1B-05FD-C2AD-F36F-E8B4F1222542}"/>
-              </a:ext>
-            </a:extLst>
-          </p:cNvPr>
+          <p:cNvPr id="4" name="Date Placeholder 3"/>
           <p:cNvSpPr>
             <a:spLocks noGrp="1"/>
           </p:cNvSpPr>
@@ -1142,7 +1242,7 @@
           <a:p>
             <a:fld id="{713F76DE-9537-41DE-9976-4F7B46FFBDC1}" type="datetimeFigureOut">
               <a:rPr lang="fr-CA" smtClean="0"/>
-              <a:t>2023-02-20</a:t>
+              <a:t>2024-02-23</a:t>
             </a:fld>
             <a:endParaRPr lang="fr-CA"/>
           </a:p>
@@ -1150,13 +1250,7 @@
       </p:sp>
       <p:sp>
         <p:nvSpPr>
-          <p:cNvPr id="5" name="Espace réservé du pied de page 4">
-            <a:extLst>
-              <a:ext uri="{FF2B5EF4-FFF2-40B4-BE49-F238E27FC236}">
-                <a16:creationId xmlns:a16="http://schemas.microsoft.com/office/drawing/2014/main" id="{194A5694-06E9-106C-009F-AA9D68DD342B}"/>
-              </a:ext>
-            </a:extLst>
-          </p:cNvPr>
+          <p:cNvPr id="5" name="Footer Placeholder 4"/>
           <p:cNvSpPr>
             <a:spLocks noGrp="1"/>
           </p:cNvSpPr>
@@ -1175,13 +1269,7 @@
       </p:sp>
       <p:sp>
         <p:nvSpPr>
-          <p:cNvPr id="6" name="Espace réservé du numéro de diapositive 5">
-            <a:extLst>
-              <a:ext uri="{FF2B5EF4-FFF2-40B4-BE49-F238E27FC236}">
-                <a16:creationId xmlns:a16="http://schemas.microsoft.com/office/drawing/2014/main" id="{40440F2F-1CB0-A134-23FE-E8F20B67A0FE}"/>
-              </a:ext>
-            </a:extLst>
-          </p:cNvPr>
+          <p:cNvPr id="6" name="Slide Number Placeholder 5"/>
           <p:cNvSpPr>
             <a:spLocks noGrp="1"/>
           </p:cNvSpPr>
@@ -1205,7 +1293,7 @@
     </p:spTree>
     <p:extLst>
       <p:ext uri="{BB962C8B-B14F-4D97-AF65-F5344CB8AC3E}">
-        <p14:creationId xmlns:p14="http://schemas.microsoft.com/office/powerpoint/2010/main" val="3841843884"/>
+        <p14:creationId xmlns:p14="http://schemas.microsoft.com/office/powerpoint/2010/main" val="691976968"/>
       </p:ext>
     </p:extLst>
   </p:cSld>
@@ -1234,13 +1322,7 @@
       </p:grpSpPr>
       <p:sp>
         <p:nvSpPr>
-          <p:cNvPr id="2" name="Titre 1">
-            <a:extLst>
-              <a:ext uri="{FF2B5EF4-FFF2-40B4-BE49-F238E27FC236}">
-                <a16:creationId xmlns:a16="http://schemas.microsoft.com/office/drawing/2014/main" id="{AC8CFF1A-D9A0-C882-30F9-12B9A28477EA}"/>
-              </a:ext>
-            </a:extLst>
-          </p:cNvPr>
+          <p:cNvPr id="2" name="Title 1"/>
           <p:cNvSpPr>
             <a:spLocks noGrp="1"/>
           </p:cNvSpPr>
@@ -1257,19 +1339,13 @@
               <a:rPr lang="fr-FR"/>
               <a:t>Modifiez le style du titre</a:t>
             </a:r>
-            <a:endParaRPr lang="fr-CA"/>
-          </a:p>
-        </p:txBody>
-      </p:sp>
-      <p:sp>
-        <p:nvSpPr>
-          <p:cNvPr id="3" name="Espace réservé du contenu 2">
-            <a:extLst>
-              <a:ext uri="{FF2B5EF4-FFF2-40B4-BE49-F238E27FC236}">
-                <a16:creationId xmlns:a16="http://schemas.microsoft.com/office/drawing/2014/main" id="{1A3654D0-A3D0-EA39-0748-3AF891DEAFE0}"/>
-              </a:ext>
-            </a:extLst>
-          </p:cNvPr>
+            <a:endParaRPr lang="en-US" dirty="0"/>
+          </a:p>
+        </p:txBody>
+      </p:sp>
+      <p:sp>
+        <p:nvSpPr>
+          <p:cNvPr id="3" name="Content Placeholder 2"/>
           <p:cNvSpPr>
             <a:spLocks noGrp="1"/>
           </p:cNvSpPr>
@@ -1279,8 +1355,8 @@
         </p:nvSpPr>
         <p:spPr>
           <a:xfrm>
-            <a:off x="838200" y="1825625"/>
-            <a:ext cx="5181600" cy="4351338"/>
+            <a:off x="628650" y="1825625"/>
+            <a:ext cx="3886200" cy="4351338"/>
           </a:xfrm>
         </p:spPr>
         <p:txBody>
@@ -1320,19 +1396,13 @@
               <a:rPr lang="fr-FR"/>
               <a:t>Cinquième niveau</a:t>
             </a:r>
-            <a:endParaRPr lang="fr-CA"/>
-          </a:p>
-        </p:txBody>
-      </p:sp>
-      <p:sp>
-        <p:nvSpPr>
-          <p:cNvPr id="4" name="Espace réservé du contenu 3">
-            <a:extLst>
-              <a:ext uri="{FF2B5EF4-FFF2-40B4-BE49-F238E27FC236}">
-                <a16:creationId xmlns:a16="http://schemas.microsoft.com/office/drawing/2014/main" id="{05DB16CF-01F9-547E-12F4-4B7958DE224F}"/>
-              </a:ext>
-            </a:extLst>
-          </p:cNvPr>
+            <a:endParaRPr lang="en-US" dirty="0"/>
+          </a:p>
+        </p:txBody>
+      </p:sp>
+      <p:sp>
+        <p:nvSpPr>
+          <p:cNvPr id="4" name="Content Placeholder 3"/>
           <p:cNvSpPr>
             <a:spLocks noGrp="1"/>
           </p:cNvSpPr>
@@ -1342,8 +1412,8 @@
         </p:nvSpPr>
         <p:spPr>
           <a:xfrm>
-            <a:off x="6172200" y="1825625"/>
-            <a:ext cx="5181600" cy="4351338"/>
+            <a:off x="4629150" y="1825625"/>
+            <a:ext cx="3886200" cy="4351338"/>
           </a:xfrm>
         </p:spPr>
         <p:txBody>
@@ -1383,19 +1453,13 @@
               <a:rPr lang="fr-FR"/>
               <a:t>Cinquième niveau</a:t>
             </a:r>
-            <a:endParaRPr lang="fr-CA"/>
-          </a:p>
-        </p:txBody>
-      </p:sp>
-      <p:sp>
-        <p:nvSpPr>
-          <p:cNvPr id="5" name="Espace réservé de la date 4">
-            <a:extLst>
-              <a:ext uri="{FF2B5EF4-FFF2-40B4-BE49-F238E27FC236}">
-                <a16:creationId xmlns:a16="http://schemas.microsoft.com/office/drawing/2014/main" id="{6D52ACD6-FA51-C589-2CAB-DC7C66FF9E22}"/>
-              </a:ext>
-            </a:extLst>
-          </p:cNvPr>
+            <a:endParaRPr lang="en-US" dirty="0"/>
+          </a:p>
+        </p:txBody>
+      </p:sp>
+      <p:sp>
+        <p:nvSpPr>
+          <p:cNvPr id="5" name="Date Placeholder 4"/>
           <p:cNvSpPr>
             <a:spLocks noGrp="1"/>
           </p:cNvSpPr>
@@ -1410,7 +1474,7 @@
           <a:p>
             <a:fld id="{713F76DE-9537-41DE-9976-4F7B46FFBDC1}" type="datetimeFigureOut">
               <a:rPr lang="fr-CA" smtClean="0"/>
-              <a:t>2023-02-20</a:t>
+              <a:t>2024-02-23</a:t>
             </a:fld>
             <a:endParaRPr lang="fr-CA"/>
           </a:p>
@@ -1418,13 +1482,7 @@
       </p:sp>
       <p:sp>
         <p:nvSpPr>
-          <p:cNvPr id="6" name="Espace réservé du pied de page 5">
-            <a:extLst>
-              <a:ext uri="{FF2B5EF4-FFF2-40B4-BE49-F238E27FC236}">
-                <a16:creationId xmlns:a16="http://schemas.microsoft.com/office/drawing/2014/main" id="{672D9D3A-9820-BD9A-01BD-8E9285CDC968}"/>
-              </a:ext>
-            </a:extLst>
-          </p:cNvPr>
+          <p:cNvPr id="6" name="Footer Placeholder 5"/>
           <p:cNvSpPr>
             <a:spLocks noGrp="1"/>
           </p:cNvSpPr>
@@ -1443,13 +1501,7 @@
       </p:sp>
       <p:sp>
         <p:nvSpPr>
-          <p:cNvPr id="7" name="Espace réservé du numéro de diapositive 6">
-            <a:extLst>
-              <a:ext uri="{FF2B5EF4-FFF2-40B4-BE49-F238E27FC236}">
-                <a16:creationId xmlns:a16="http://schemas.microsoft.com/office/drawing/2014/main" id="{602F3D07-3739-108A-09DA-4B03BA248ADE}"/>
-              </a:ext>
-            </a:extLst>
-          </p:cNvPr>
+          <p:cNvPr id="7" name="Slide Number Placeholder 6"/>
           <p:cNvSpPr>
             <a:spLocks noGrp="1"/>
           </p:cNvSpPr>
@@ -1473,7 +1525,7 @@
     </p:spTree>
     <p:extLst>
       <p:ext uri="{BB962C8B-B14F-4D97-AF65-F5344CB8AC3E}">
-        <p14:creationId xmlns:p14="http://schemas.microsoft.com/office/powerpoint/2010/main" val="3076076860"/>
+        <p14:creationId xmlns:p14="http://schemas.microsoft.com/office/powerpoint/2010/main" val="1605360729"/>
       </p:ext>
     </p:extLst>
   </p:cSld>
@@ -1502,13 +1554,7 @@
       </p:grpSpPr>
       <p:sp>
         <p:nvSpPr>
-          <p:cNvPr id="2" name="Titre 1">
-            <a:extLst>
-              <a:ext uri="{FF2B5EF4-FFF2-40B4-BE49-F238E27FC236}">
-                <a16:creationId xmlns:a16="http://schemas.microsoft.com/office/drawing/2014/main" id="{42231EF1-CE1F-FA84-EC6A-57A652C61032}"/>
-              </a:ext>
-            </a:extLst>
-          </p:cNvPr>
+          <p:cNvPr id="2" name="Title 1"/>
           <p:cNvSpPr>
             <a:spLocks noGrp="1"/>
           </p:cNvSpPr>
@@ -1518,8 +1564,8 @@
         </p:nvSpPr>
         <p:spPr>
           <a:xfrm>
-            <a:off x="839788" y="365125"/>
-            <a:ext cx="10515600" cy="1325563"/>
+            <a:off x="629841" y="365126"/>
+            <a:ext cx="7886700" cy="1325563"/>
           </a:xfrm>
         </p:spPr>
         <p:txBody>
@@ -1530,19 +1576,13 @@
               <a:rPr lang="fr-FR"/>
               <a:t>Modifiez le style du titre</a:t>
             </a:r>
-            <a:endParaRPr lang="fr-CA"/>
-          </a:p>
-        </p:txBody>
-      </p:sp>
-      <p:sp>
-        <p:nvSpPr>
-          <p:cNvPr id="3" name="Espace réservé du texte 2">
-            <a:extLst>
-              <a:ext uri="{FF2B5EF4-FFF2-40B4-BE49-F238E27FC236}">
-                <a16:creationId xmlns:a16="http://schemas.microsoft.com/office/drawing/2014/main" id="{F58B5504-D6AB-9C49-AFC5-43845F8BB866}"/>
-              </a:ext>
-            </a:extLst>
-          </p:cNvPr>
+            <a:endParaRPr lang="en-US" dirty="0"/>
+          </a:p>
+        </p:txBody>
+      </p:sp>
+      <p:sp>
+        <p:nvSpPr>
+          <p:cNvPr id="3" name="Text Placeholder 2"/>
           <p:cNvSpPr>
             <a:spLocks noGrp="1"/>
           </p:cNvSpPr>
@@ -1552,8 +1592,8 @@
         </p:nvSpPr>
         <p:spPr>
           <a:xfrm>
-            <a:off x="839788" y="1681163"/>
-            <a:ext cx="5157787" cy="823912"/>
+            <a:off x="629842" y="1681163"/>
+            <a:ext cx="3868340" cy="823912"/>
           </a:xfrm>
         </p:spPr>
         <p:txBody>
@@ -1607,13 +1647,7 @@
       </p:sp>
       <p:sp>
         <p:nvSpPr>
-          <p:cNvPr id="4" name="Espace réservé du contenu 3">
-            <a:extLst>
-              <a:ext uri="{FF2B5EF4-FFF2-40B4-BE49-F238E27FC236}">
-                <a16:creationId xmlns:a16="http://schemas.microsoft.com/office/drawing/2014/main" id="{95C49087-0D72-DC19-0069-FF9107B751FE}"/>
-              </a:ext>
-            </a:extLst>
-          </p:cNvPr>
+          <p:cNvPr id="4" name="Content Placeholder 3"/>
           <p:cNvSpPr>
             <a:spLocks noGrp="1"/>
           </p:cNvSpPr>
@@ -1623,8 +1657,8 @@
         </p:nvSpPr>
         <p:spPr>
           <a:xfrm>
-            <a:off x="839788" y="2505075"/>
-            <a:ext cx="5157787" cy="3684588"/>
+            <a:off x="629842" y="2505075"/>
+            <a:ext cx="3868340" cy="3684588"/>
           </a:xfrm>
         </p:spPr>
         <p:txBody>
@@ -1664,19 +1698,13 @@
               <a:rPr lang="fr-FR"/>
               <a:t>Cinquième niveau</a:t>
             </a:r>
-            <a:endParaRPr lang="fr-CA"/>
-          </a:p>
-        </p:txBody>
-      </p:sp>
-      <p:sp>
-        <p:nvSpPr>
-          <p:cNvPr id="5" name="Espace réservé du texte 4">
-            <a:extLst>
-              <a:ext uri="{FF2B5EF4-FFF2-40B4-BE49-F238E27FC236}">
-                <a16:creationId xmlns:a16="http://schemas.microsoft.com/office/drawing/2014/main" id="{A130EF72-2CBE-B4F4-4C66-74F6D813A8FC}"/>
-              </a:ext>
-            </a:extLst>
-          </p:cNvPr>
+            <a:endParaRPr lang="en-US" dirty="0"/>
+          </a:p>
+        </p:txBody>
+      </p:sp>
+      <p:sp>
+        <p:nvSpPr>
+          <p:cNvPr id="5" name="Text Placeholder 4"/>
           <p:cNvSpPr>
             <a:spLocks noGrp="1"/>
           </p:cNvSpPr>
@@ -1686,8 +1714,8 @@
         </p:nvSpPr>
         <p:spPr>
           <a:xfrm>
-            <a:off x="6172200" y="1681163"/>
-            <a:ext cx="5183188" cy="823912"/>
+            <a:off x="4629150" y="1681163"/>
+            <a:ext cx="3887391" cy="823912"/>
           </a:xfrm>
         </p:spPr>
         <p:txBody>
@@ -1741,13 +1769,7 @@
       </p:sp>
       <p:sp>
         <p:nvSpPr>
-          <p:cNvPr id="6" name="Espace réservé du contenu 5">
-            <a:extLst>
-              <a:ext uri="{FF2B5EF4-FFF2-40B4-BE49-F238E27FC236}">
-                <a16:creationId xmlns:a16="http://schemas.microsoft.com/office/drawing/2014/main" id="{072F9D61-5654-99B4-FD67-8C115A7A9BC4}"/>
-              </a:ext>
-            </a:extLst>
-          </p:cNvPr>
+          <p:cNvPr id="6" name="Content Placeholder 5"/>
           <p:cNvSpPr>
             <a:spLocks noGrp="1"/>
           </p:cNvSpPr>
@@ -1757,8 +1779,8 @@
         </p:nvSpPr>
         <p:spPr>
           <a:xfrm>
-            <a:off x="6172200" y="2505075"/>
-            <a:ext cx="5183188" cy="3684588"/>
+            <a:off x="4629150" y="2505075"/>
+            <a:ext cx="3887391" cy="3684588"/>
           </a:xfrm>
         </p:spPr>
         <p:txBody>
@@ -1798,19 +1820,13 @@
               <a:rPr lang="fr-FR"/>
               <a:t>Cinquième niveau</a:t>
             </a:r>
-            <a:endParaRPr lang="fr-CA"/>
-          </a:p>
-        </p:txBody>
-      </p:sp>
-      <p:sp>
-        <p:nvSpPr>
-          <p:cNvPr id="7" name="Espace réservé de la date 6">
-            <a:extLst>
-              <a:ext uri="{FF2B5EF4-FFF2-40B4-BE49-F238E27FC236}">
-                <a16:creationId xmlns:a16="http://schemas.microsoft.com/office/drawing/2014/main" id="{E6FF6CCE-B1F3-F9CC-2C2D-3B4685A61C32}"/>
-              </a:ext>
-            </a:extLst>
-          </p:cNvPr>
+            <a:endParaRPr lang="en-US" dirty="0"/>
+          </a:p>
+        </p:txBody>
+      </p:sp>
+      <p:sp>
+        <p:nvSpPr>
+          <p:cNvPr id="7" name="Date Placeholder 6"/>
           <p:cNvSpPr>
             <a:spLocks noGrp="1"/>
           </p:cNvSpPr>
@@ -1825,7 +1841,7 @@
           <a:p>
             <a:fld id="{713F76DE-9537-41DE-9976-4F7B46FFBDC1}" type="datetimeFigureOut">
               <a:rPr lang="fr-CA" smtClean="0"/>
-              <a:t>2023-02-20</a:t>
+              <a:t>2024-02-23</a:t>
             </a:fld>
             <a:endParaRPr lang="fr-CA"/>
           </a:p>
@@ -1833,13 +1849,7 @@
       </p:sp>
       <p:sp>
         <p:nvSpPr>
-          <p:cNvPr id="8" name="Espace réservé du pied de page 7">
-            <a:extLst>
-              <a:ext uri="{FF2B5EF4-FFF2-40B4-BE49-F238E27FC236}">
-                <a16:creationId xmlns:a16="http://schemas.microsoft.com/office/drawing/2014/main" id="{5A22C4F5-978A-B49F-E8AA-DEA841FA3A70}"/>
-              </a:ext>
-            </a:extLst>
-          </p:cNvPr>
+          <p:cNvPr id="8" name="Footer Placeholder 7"/>
           <p:cNvSpPr>
             <a:spLocks noGrp="1"/>
           </p:cNvSpPr>
@@ -1858,13 +1868,7 @@
       </p:sp>
       <p:sp>
         <p:nvSpPr>
-          <p:cNvPr id="9" name="Espace réservé du numéro de diapositive 8">
-            <a:extLst>
-              <a:ext uri="{FF2B5EF4-FFF2-40B4-BE49-F238E27FC236}">
-                <a16:creationId xmlns:a16="http://schemas.microsoft.com/office/drawing/2014/main" id="{3F84EE35-0202-D74F-779E-E1051627BF91}"/>
-              </a:ext>
-            </a:extLst>
-          </p:cNvPr>
+          <p:cNvPr id="9" name="Slide Number Placeholder 8"/>
           <p:cNvSpPr>
             <a:spLocks noGrp="1"/>
           </p:cNvSpPr>
@@ -1888,7 +1892,7 @@
     </p:spTree>
     <p:extLst>
       <p:ext uri="{BB962C8B-B14F-4D97-AF65-F5344CB8AC3E}">
-        <p14:creationId xmlns:p14="http://schemas.microsoft.com/office/powerpoint/2010/main" val="3557771591"/>
+        <p14:creationId xmlns:p14="http://schemas.microsoft.com/office/powerpoint/2010/main" val="1876727566"/>
       </p:ext>
     </p:extLst>
   </p:cSld>
@@ -1899,7 +1903,7 @@
 </file>
 
 <file path=ppt/slideLayouts/slideLayout6.xml><?xml version="1.0" encoding="utf-8"?>
-<p:sldLayout xmlns:a="http://schemas.openxmlformats.org/drawingml/2006/main" xmlns:r="http://schemas.openxmlformats.org/officeDocument/2006/relationships" xmlns:p="http://schemas.openxmlformats.org/presentationml/2006/main" type="titleOnly" preserve="1">
+<p:sldLayout xmlns:a="http://schemas.openxmlformats.org/drawingml/2006/main" xmlns:r="http://schemas.openxmlformats.org/officeDocument/2006/relationships" xmlns:p="http://schemas.openxmlformats.org/presentationml/2006/main" preserve="1" userDrawn="1">
   <p:cSld name="Titre seul">
     <p:spTree>
       <p:nvGrpSpPr>
@@ -1917,10 +1921,10 @@
       </p:grpSpPr>
       <p:sp>
         <p:nvSpPr>
-          <p:cNvPr id="2" name="Titre 1">
+          <p:cNvPr id="6" name="Title 1">
             <a:extLst>
               <a:ext uri="{FF2B5EF4-FFF2-40B4-BE49-F238E27FC236}">
-                <a16:creationId xmlns:a16="http://schemas.microsoft.com/office/drawing/2014/main" id="{53093DDE-B0EF-6E60-BA2C-CEDB9C092E1E}"/>
+                <a16:creationId xmlns:a16="http://schemas.microsoft.com/office/drawing/2014/main" id="{558E004F-C3E5-2E81-C8F1-B74A33E267DB}"/>
               </a:ext>
             </a:extLst>
           </p:cNvPr>
@@ -1931,106 +1935,161 @@
             <p:ph type="title"/>
           </p:nvPr>
         </p:nvSpPr>
-        <p:spPr/>
-        <p:txBody>
-          <a:bodyPr/>
-          <a:lstStyle/>
+        <p:spPr>
+          <a:xfrm>
+            <a:off x="189412" y="238852"/>
+            <a:ext cx="2847702" cy="286232"/>
+          </a:xfrm>
+          <a:solidFill>
+            <a:schemeClr val="tx1"/>
+          </a:solidFill>
+          <a:ln w="12700">
+            <a:solidFill>
+              <a:schemeClr val="tx1"/>
+            </a:solidFill>
+          </a:ln>
+        </p:spPr>
+        <p:txBody>
+          <a:bodyPr wrap="none">
+            <a:spAutoFit/>
+          </a:bodyPr>
+          <a:lstStyle>
+            <a:lvl1pPr>
+              <a:defRPr sz="1400" b="0">
+                <a:solidFill>
+                  <a:schemeClr val="bg1"/>
+                </a:solidFill>
+                <a:latin typeface="Consolas" panose="020B0609020204030204" pitchFamily="49" charset="0"/>
+              </a:defRPr>
+            </a:lvl1pPr>
+          </a:lstStyle>
           <a:p>
             <a:r>
               <a:rPr lang="fr-FR"/>
               <a:t>Modifiez le style du titre</a:t>
             </a:r>
-            <a:endParaRPr lang="fr-CA"/>
-          </a:p>
-        </p:txBody>
-      </p:sp>
-      <p:sp>
-        <p:nvSpPr>
-          <p:cNvPr id="3" name="Espace réservé de la date 2">
+            <a:endParaRPr lang="en-US" dirty="0"/>
+          </a:p>
+        </p:txBody>
+      </p:sp>
+      <p:sp>
+        <p:nvSpPr>
+          <p:cNvPr id="7" name="Rectangle 6">
             <a:extLst>
               <a:ext uri="{FF2B5EF4-FFF2-40B4-BE49-F238E27FC236}">
-                <a16:creationId xmlns:a16="http://schemas.microsoft.com/office/drawing/2014/main" id="{70B34F27-0F81-48CB-D371-ABE063FCD935}"/>
+                <a16:creationId xmlns:a16="http://schemas.microsoft.com/office/drawing/2014/main" id="{C9DCBBA3-5FE5-CB64-50E6-50DD61CD9E98}"/>
               </a:ext>
             </a:extLst>
           </p:cNvPr>
-          <p:cNvSpPr>
-            <a:spLocks noGrp="1"/>
-          </p:cNvSpPr>
-          <p:nvPr>
-            <p:ph type="dt" sz="half" idx="10"/>
-          </p:nvPr>
-        </p:nvSpPr>
-        <p:spPr/>
-        <p:txBody>
-          <a:bodyPr/>
-          <a:lstStyle/>
-          <a:p>
-            <a:fld id="{713F76DE-9537-41DE-9976-4F7B46FFBDC1}" type="datetimeFigureOut">
-              <a:rPr lang="fr-CA" smtClean="0"/>
-              <a:t>2023-02-20</a:t>
-            </a:fld>
-            <a:endParaRPr lang="fr-CA"/>
-          </a:p>
-        </p:txBody>
-      </p:sp>
-      <p:sp>
-        <p:nvSpPr>
-          <p:cNvPr id="4" name="Espace réservé du pied de page 3">
+          <p:cNvSpPr/>
+          <p:nvPr userDrawn="1"/>
+        </p:nvSpPr>
+        <p:spPr>
+          <a:xfrm>
+            <a:off x="189412" y="525083"/>
+            <a:ext cx="8765177" cy="6126157"/>
+          </a:xfrm>
+          <a:prstGeom prst="rect">
+            <a:avLst/>
+          </a:prstGeom>
+          <a:solidFill>
+            <a:schemeClr val="bg1"/>
+          </a:solidFill>
+          <a:effectLst/>
+        </p:spPr>
+        <p:style>
+          <a:lnRef idx="2">
+            <a:schemeClr val="accent1">
+              <a:shade val="15000"/>
+            </a:schemeClr>
+          </a:lnRef>
+          <a:fillRef idx="1">
+            <a:schemeClr val="accent1"/>
+          </a:fillRef>
+          <a:effectRef idx="0">
+            <a:schemeClr val="accent1"/>
+          </a:effectRef>
+          <a:fontRef idx="minor">
+            <a:schemeClr val="lt1"/>
+          </a:fontRef>
+        </p:style>
+        <p:txBody>
+          <a:bodyPr rtlCol="0" anchor="ctr"/>
+          <a:lstStyle/>
+          <a:p>
+            <a:pPr algn="ctr"/>
+            <a:endParaRPr lang="fr-CA" sz="1350"/>
+          </a:p>
+        </p:txBody>
+      </p:sp>
+      <p:sp>
+        <p:nvSpPr>
+          <p:cNvPr id="8" name="Title 1">
             <a:extLst>
               <a:ext uri="{FF2B5EF4-FFF2-40B4-BE49-F238E27FC236}">
-                <a16:creationId xmlns:a16="http://schemas.microsoft.com/office/drawing/2014/main" id="{859C1C85-7D3A-98D8-E39E-6E7D445C9202}"/>
+                <a16:creationId xmlns:a16="http://schemas.microsoft.com/office/drawing/2014/main" id="{A8D6ED9D-2A0E-3765-3B11-DCC951F2D515}"/>
               </a:ext>
             </a:extLst>
           </p:cNvPr>
-          <p:cNvSpPr>
-            <a:spLocks noGrp="1"/>
-          </p:cNvSpPr>
-          <p:nvPr>
-            <p:ph type="ftr" sz="quarter" idx="11"/>
-          </p:nvPr>
-        </p:nvSpPr>
-        <p:spPr/>
-        <p:txBody>
-          <a:bodyPr/>
-          <a:lstStyle/>
-          <a:p>
-            <a:endParaRPr lang="fr-CA"/>
-          </a:p>
-        </p:txBody>
-      </p:sp>
-      <p:sp>
-        <p:nvSpPr>
-          <p:cNvPr id="5" name="Espace réservé du numéro de diapositive 4">
-            <a:extLst>
-              <a:ext uri="{FF2B5EF4-FFF2-40B4-BE49-F238E27FC236}">
-                <a16:creationId xmlns:a16="http://schemas.microsoft.com/office/drawing/2014/main" id="{20FA5B94-32BA-B1D5-B912-DDF881D39CF4}"/>
-              </a:ext>
-            </a:extLst>
-          </p:cNvPr>
-          <p:cNvSpPr>
-            <a:spLocks noGrp="1"/>
-          </p:cNvSpPr>
-          <p:nvPr>
-            <p:ph type="sldNum" sz="quarter" idx="12"/>
-          </p:nvPr>
-        </p:nvSpPr>
-        <p:spPr/>
-        <p:txBody>
-          <a:bodyPr/>
-          <a:lstStyle/>
-          <a:p>
-            <a:fld id="{554FDF40-B766-4FB2-88A0-6372875B299F}" type="slidenum">
-              <a:rPr lang="fr-CA" smtClean="0"/>
-              <a:t>‹N°›</a:t>
-            </a:fld>
-            <a:endParaRPr lang="fr-CA"/>
+          <p:cNvSpPr txBox="1">
+            <a:spLocks/>
+          </p:cNvSpPr>
+          <p:nvPr userDrawn="1"/>
+        </p:nvSpPr>
+        <p:spPr>
+          <a:xfrm>
+            <a:off x="7769648" y="349649"/>
+            <a:ext cx="1184940" cy="175433"/>
+          </a:xfrm>
+          <a:prstGeom prst="rect">
+            <a:avLst/>
+          </a:prstGeom>
+          <a:solidFill>
+            <a:schemeClr val="tx1"/>
+          </a:solidFill>
+          <a:ln w="12700">
+            <a:solidFill>
+              <a:schemeClr val="tx1"/>
+            </a:solidFill>
+          </a:ln>
+        </p:spPr>
+        <p:txBody>
+          <a:bodyPr vert="horz" wrap="none" lIns="91440" tIns="45720" rIns="91440" bIns="45720" rtlCol="0" anchor="ctr">
+            <a:spAutoFit/>
+          </a:bodyPr>
+          <a:lstStyle>
+            <a:lvl1pPr algn="l" defTabSz="914400" rtl="0" eaLnBrk="1" latinLnBrk="0" hangingPunct="1">
+              <a:lnSpc>
+                <a:spcPct val="90000"/>
+              </a:lnSpc>
+              <a:spcBef>
+                <a:spcPct val="0"/>
+              </a:spcBef>
+              <a:buNone/>
+              <a:defRPr sz="1400" b="0" kern="1200">
+                <a:solidFill>
+                  <a:schemeClr val="bg1"/>
+                </a:solidFill>
+                <a:latin typeface="Consolas" panose="020B0609020204030204" pitchFamily="49" charset="0"/>
+                <a:ea typeface="+mj-ea"/>
+                <a:cs typeface="+mj-cs"/>
+              </a:defRPr>
+            </a:lvl1pPr>
+          </a:lstStyle>
+          <a:p>
+            <a:pPr algn="r"/>
+            <a:r>
+              <a:rPr lang="fr-FR" sz="600" dirty="0"/>
+              <a:t>Thomas O Fredericks 2024</a:t>
+            </a:r>
+            <a:endParaRPr lang="en-US" sz="600" dirty="0"/>
           </a:p>
         </p:txBody>
       </p:sp>
     </p:spTree>
     <p:extLst>
       <p:ext uri="{BB962C8B-B14F-4D97-AF65-F5344CB8AC3E}">
-        <p14:creationId xmlns:p14="http://schemas.microsoft.com/office/powerpoint/2010/main" val="1746462891"/>
+        <p14:creationId xmlns:p14="http://schemas.microsoft.com/office/powerpoint/2010/main" val="39463132"/>
       </p:ext>
     </p:extLst>
   </p:cSld>
@@ -2059,13 +2118,7 @@
       </p:grpSpPr>
       <p:sp>
         <p:nvSpPr>
-          <p:cNvPr id="2" name="Espace réservé de la date 1">
-            <a:extLst>
-              <a:ext uri="{FF2B5EF4-FFF2-40B4-BE49-F238E27FC236}">
-                <a16:creationId xmlns:a16="http://schemas.microsoft.com/office/drawing/2014/main" id="{7B2D6E37-57B1-F273-D813-584FDAEA437B}"/>
-              </a:ext>
-            </a:extLst>
-          </p:cNvPr>
+          <p:cNvPr id="2" name="Date Placeholder 1"/>
           <p:cNvSpPr>
             <a:spLocks noGrp="1"/>
           </p:cNvSpPr>
@@ -2080,7 +2133,7 @@
           <a:p>
             <a:fld id="{713F76DE-9537-41DE-9976-4F7B46FFBDC1}" type="datetimeFigureOut">
               <a:rPr lang="fr-CA" smtClean="0"/>
-              <a:t>2023-02-20</a:t>
+              <a:t>2024-02-23</a:t>
             </a:fld>
             <a:endParaRPr lang="fr-CA"/>
           </a:p>
@@ -2088,13 +2141,7 @@
       </p:sp>
       <p:sp>
         <p:nvSpPr>
-          <p:cNvPr id="3" name="Espace réservé du pied de page 2">
-            <a:extLst>
-              <a:ext uri="{FF2B5EF4-FFF2-40B4-BE49-F238E27FC236}">
-                <a16:creationId xmlns:a16="http://schemas.microsoft.com/office/drawing/2014/main" id="{DAFD7344-6F45-044C-8A36-619591F4D0D5}"/>
-              </a:ext>
-            </a:extLst>
-          </p:cNvPr>
+          <p:cNvPr id="3" name="Footer Placeholder 2"/>
           <p:cNvSpPr>
             <a:spLocks noGrp="1"/>
           </p:cNvSpPr>
@@ -2113,13 +2160,7 @@
       </p:sp>
       <p:sp>
         <p:nvSpPr>
-          <p:cNvPr id="4" name="Espace réservé du numéro de diapositive 3">
-            <a:extLst>
-              <a:ext uri="{FF2B5EF4-FFF2-40B4-BE49-F238E27FC236}">
-                <a16:creationId xmlns:a16="http://schemas.microsoft.com/office/drawing/2014/main" id="{C651947F-54FD-466C-A7B0-AE6F79723EF4}"/>
-              </a:ext>
-            </a:extLst>
-          </p:cNvPr>
+          <p:cNvPr id="4" name="Slide Number Placeholder 3"/>
           <p:cNvSpPr>
             <a:spLocks noGrp="1"/>
           </p:cNvSpPr>
@@ -2143,7 +2184,7 @@
     </p:spTree>
     <p:extLst>
       <p:ext uri="{BB962C8B-B14F-4D97-AF65-F5344CB8AC3E}">
-        <p14:creationId xmlns:p14="http://schemas.microsoft.com/office/powerpoint/2010/main" val="3420198509"/>
+        <p14:creationId xmlns:p14="http://schemas.microsoft.com/office/powerpoint/2010/main" val="3424367906"/>
       </p:ext>
     </p:extLst>
   </p:cSld>
@@ -2172,13 +2213,7 @@
       </p:grpSpPr>
       <p:sp>
         <p:nvSpPr>
-          <p:cNvPr id="2" name="Titre 1">
-            <a:extLst>
-              <a:ext uri="{FF2B5EF4-FFF2-40B4-BE49-F238E27FC236}">
-                <a16:creationId xmlns:a16="http://schemas.microsoft.com/office/drawing/2014/main" id="{387B0AA7-6164-4F6A-69DA-4A10E5DAF42F}"/>
-              </a:ext>
-            </a:extLst>
-          </p:cNvPr>
+          <p:cNvPr id="2" name="Title 1"/>
           <p:cNvSpPr>
             <a:spLocks noGrp="1"/>
           </p:cNvSpPr>
@@ -2188,8 +2223,8 @@
         </p:nvSpPr>
         <p:spPr>
           <a:xfrm>
-            <a:off x="839788" y="457200"/>
-            <a:ext cx="3932237" cy="1600200"/>
+            <a:off x="629841" y="457200"/>
+            <a:ext cx="2949178" cy="1600200"/>
           </a:xfrm>
         </p:spPr>
         <p:txBody>
@@ -2204,19 +2239,13 @@
               <a:rPr lang="fr-FR"/>
               <a:t>Modifiez le style du titre</a:t>
             </a:r>
-            <a:endParaRPr lang="fr-CA"/>
-          </a:p>
-        </p:txBody>
-      </p:sp>
-      <p:sp>
-        <p:nvSpPr>
-          <p:cNvPr id="3" name="Espace réservé du contenu 2">
-            <a:extLst>
-              <a:ext uri="{FF2B5EF4-FFF2-40B4-BE49-F238E27FC236}">
-                <a16:creationId xmlns:a16="http://schemas.microsoft.com/office/drawing/2014/main" id="{99FC5A21-A407-213B-2D32-D4DDA020A08B}"/>
-              </a:ext>
-            </a:extLst>
-          </p:cNvPr>
+            <a:endParaRPr lang="en-US" dirty="0"/>
+          </a:p>
+        </p:txBody>
+      </p:sp>
+      <p:sp>
+        <p:nvSpPr>
+          <p:cNvPr id="3" name="Content Placeholder 2"/>
           <p:cNvSpPr>
             <a:spLocks noGrp="1"/>
           </p:cNvSpPr>
@@ -2226,8 +2255,8 @@
         </p:nvSpPr>
         <p:spPr>
           <a:xfrm>
-            <a:off x="5183188" y="987425"/>
-            <a:ext cx="6172200" cy="4873625"/>
+            <a:off x="3887391" y="987426"/>
+            <a:ext cx="4629150" cy="4873625"/>
           </a:xfrm>
         </p:spPr>
         <p:txBody>
@@ -2295,19 +2324,13 @@
               <a:rPr lang="fr-FR"/>
               <a:t>Cinquième niveau</a:t>
             </a:r>
-            <a:endParaRPr lang="fr-CA"/>
-          </a:p>
-        </p:txBody>
-      </p:sp>
-      <p:sp>
-        <p:nvSpPr>
-          <p:cNvPr id="4" name="Espace réservé du texte 3">
-            <a:extLst>
-              <a:ext uri="{FF2B5EF4-FFF2-40B4-BE49-F238E27FC236}">
-                <a16:creationId xmlns:a16="http://schemas.microsoft.com/office/drawing/2014/main" id="{49004173-B341-CC01-0E11-E66D37ECE5B4}"/>
-              </a:ext>
-            </a:extLst>
-          </p:cNvPr>
+            <a:endParaRPr lang="en-US" dirty="0"/>
+          </a:p>
+        </p:txBody>
+      </p:sp>
+      <p:sp>
+        <p:nvSpPr>
+          <p:cNvPr id="4" name="Text Placeholder 3"/>
           <p:cNvSpPr>
             <a:spLocks noGrp="1"/>
           </p:cNvSpPr>
@@ -2317,8 +2340,8 @@
         </p:nvSpPr>
         <p:spPr>
           <a:xfrm>
-            <a:off x="839788" y="2057400"/>
-            <a:ext cx="3932237" cy="3811588"/>
+            <a:off x="629841" y="2057400"/>
+            <a:ext cx="2949178" cy="3811588"/>
           </a:xfrm>
         </p:spPr>
         <p:txBody>
@@ -2372,13 +2395,7 @@
       </p:sp>
       <p:sp>
         <p:nvSpPr>
-          <p:cNvPr id="5" name="Espace réservé de la date 4">
-            <a:extLst>
-              <a:ext uri="{FF2B5EF4-FFF2-40B4-BE49-F238E27FC236}">
-                <a16:creationId xmlns:a16="http://schemas.microsoft.com/office/drawing/2014/main" id="{C5D1C863-1B60-EBE9-CAC8-8E2B17909B8B}"/>
-              </a:ext>
-            </a:extLst>
-          </p:cNvPr>
+          <p:cNvPr id="5" name="Date Placeholder 4"/>
           <p:cNvSpPr>
             <a:spLocks noGrp="1"/>
           </p:cNvSpPr>
@@ -2393,7 +2410,7 @@
           <a:p>
             <a:fld id="{713F76DE-9537-41DE-9976-4F7B46FFBDC1}" type="datetimeFigureOut">
               <a:rPr lang="fr-CA" smtClean="0"/>
-              <a:t>2023-02-20</a:t>
+              <a:t>2024-02-23</a:t>
             </a:fld>
             <a:endParaRPr lang="fr-CA"/>
           </a:p>
@@ -2401,13 +2418,7 @@
       </p:sp>
       <p:sp>
         <p:nvSpPr>
-          <p:cNvPr id="6" name="Espace réservé du pied de page 5">
-            <a:extLst>
-              <a:ext uri="{FF2B5EF4-FFF2-40B4-BE49-F238E27FC236}">
-                <a16:creationId xmlns:a16="http://schemas.microsoft.com/office/drawing/2014/main" id="{E5F2833D-A194-BD70-DFFE-356AB3EF90D4}"/>
-              </a:ext>
-            </a:extLst>
-          </p:cNvPr>
+          <p:cNvPr id="6" name="Footer Placeholder 5"/>
           <p:cNvSpPr>
             <a:spLocks noGrp="1"/>
           </p:cNvSpPr>
@@ -2426,13 +2437,7 @@
       </p:sp>
       <p:sp>
         <p:nvSpPr>
-          <p:cNvPr id="7" name="Espace réservé du numéro de diapositive 6">
-            <a:extLst>
-              <a:ext uri="{FF2B5EF4-FFF2-40B4-BE49-F238E27FC236}">
-                <a16:creationId xmlns:a16="http://schemas.microsoft.com/office/drawing/2014/main" id="{D175F429-C11A-44CF-81F4-F6E27AC9119D}"/>
-              </a:ext>
-            </a:extLst>
-          </p:cNvPr>
+          <p:cNvPr id="7" name="Slide Number Placeholder 6"/>
           <p:cNvSpPr>
             <a:spLocks noGrp="1"/>
           </p:cNvSpPr>
@@ -2456,7 +2461,7 @@
     </p:spTree>
     <p:extLst>
       <p:ext uri="{BB962C8B-B14F-4D97-AF65-F5344CB8AC3E}">
-        <p14:creationId xmlns:p14="http://schemas.microsoft.com/office/powerpoint/2010/main" val="146288382"/>
+        <p14:creationId xmlns:p14="http://schemas.microsoft.com/office/powerpoint/2010/main" val="2556089487"/>
       </p:ext>
     </p:extLst>
   </p:cSld>
@@ -2485,13 +2490,7 @@
       </p:grpSpPr>
       <p:sp>
         <p:nvSpPr>
-          <p:cNvPr id="2" name="Titre 1">
-            <a:extLst>
-              <a:ext uri="{FF2B5EF4-FFF2-40B4-BE49-F238E27FC236}">
-                <a16:creationId xmlns:a16="http://schemas.microsoft.com/office/drawing/2014/main" id="{90DBFAF6-BAE7-E589-1AFE-19A5B37ECA1C}"/>
-              </a:ext>
-            </a:extLst>
-          </p:cNvPr>
+          <p:cNvPr id="2" name="Title 1"/>
           <p:cNvSpPr>
             <a:spLocks noGrp="1"/>
           </p:cNvSpPr>
@@ -2501,8 +2500,8 @@
         </p:nvSpPr>
         <p:spPr>
           <a:xfrm>
-            <a:off x="839788" y="457200"/>
-            <a:ext cx="3932237" cy="1600200"/>
+            <a:off x="629841" y="457200"/>
+            <a:ext cx="2949178" cy="1600200"/>
           </a:xfrm>
         </p:spPr>
         <p:txBody>
@@ -2517,21 +2516,15 @@
               <a:rPr lang="fr-FR"/>
               <a:t>Modifiez le style du titre</a:t>
             </a:r>
-            <a:endParaRPr lang="fr-CA"/>
-          </a:p>
-        </p:txBody>
-      </p:sp>
-      <p:sp>
-        <p:nvSpPr>
-          <p:cNvPr id="3" name="Espace réservé pour une image  2">
-            <a:extLst>
-              <a:ext uri="{FF2B5EF4-FFF2-40B4-BE49-F238E27FC236}">
-                <a16:creationId xmlns:a16="http://schemas.microsoft.com/office/drawing/2014/main" id="{B90EF41F-60D3-CC87-BAE5-7DACF85FF6C6}"/>
-              </a:ext>
-            </a:extLst>
-          </p:cNvPr>
-          <p:cNvSpPr>
-            <a:spLocks noGrp="1"/>
+            <a:endParaRPr lang="en-US" dirty="0"/>
+          </a:p>
+        </p:txBody>
+      </p:sp>
+      <p:sp>
+        <p:nvSpPr>
+          <p:cNvPr id="3" name="Picture Placeholder 2"/>
+          <p:cNvSpPr>
+            <a:spLocks noGrp="1" noChangeAspect="1"/>
           </p:cNvSpPr>
           <p:nvPr>
             <p:ph type="pic" idx="1"/>
@@ -2539,12 +2532,12 @@
         </p:nvSpPr>
         <p:spPr>
           <a:xfrm>
-            <a:off x="5183188" y="987425"/>
-            <a:ext cx="6172200" cy="4873625"/>
+            <a:off x="3887391" y="987426"/>
+            <a:ext cx="4629150" cy="4873625"/>
           </a:xfrm>
         </p:spPr>
         <p:txBody>
-          <a:bodyPr/>
+          <a:bodyPr anchor="t"/>
           <a:lstStyle>
             <a:lvl1pPr marL="0" indent="0">
               <a:buNone/>
@@ -2584,19 +2577,17 @@
             </a:lvl9pPr>
           </a:lstStyle>
           <a:p>
-            <a:endParaRPr lang="fr-CA"/>
-          </a:p>
-        </p:txBody>
-      </p:sp>
-      <p:sp>
-        <p:nvSpPr>
-          <p:cNvPr id="4" name="Espace réservé du texte 3">
-            <a:extLst>
-              <a:ext uri="{FF2B5EF4-FFF2-40B4-BE49-F238E27FC236}">
-                <a16:creationId xmlns:a16="http://schemas.microsoft.com/office/drawing/2014/main" id="{B04D446A-43F2-BAF5-DB79-8E8B62342951}"/>
-              </a:ext>
-            </a:extLst>
-          </p:cNvPr>
+            <a:r>
+              <a:rPr lang="fr-FR"/>
+              <a:t>Cliquez sur l'icône pour ajouter une image</a:t>
+            </a:r>
+            <a:endParaRPr lang="en-US" dirty="0"/>
+          </a:p>
+        </p:txBody>
+      </p:sp>
+      <p:sp>
+        <p:nvSpPr>
+          <p:cNvPr id="4" name="Text Placeholder 3"/>
           <p:cNvSpPr>
             <a:spLocks noGrp="1"/>
           </p:cNvSpPr>
@@ -2606,8 +2597,8 @@
         </p:nvSpPr>
         <p:spPr>
           <a:xfrm>
-            <a:off x="839788" y="2057400"/>
-            <a:ext cx="3932237" cy="3811588"/>
+            <a:off x="629841" y="2057400"/>
+            <a:ext cx="2949178" cy="3811588"/>
           </a:xfrm>
         </p:spPr>
         <p:txBody>
@@ -2661,13 +2652,7 @@
       </p:sp>
       <p:sp>
         <p:nvSpPr>
-          <p:cNvPr id="5" name="Espace réservé de la date 4">
-            <a:extLst>
-              <a:ext uri="{FF2B5EF4-FFF2-40B4-BE49-F238E27FC236}">
-                <a16:creationId xmlns:a16="http://schemas.microsoft.com/office/drawing/2014/main" id="{BE50A9A3-1A5A-91A4-2507-7A46B2201EA1}"/>
-              </a:ext>
-            </a:extLst>
-          </p:cNvPr>
+          <p:cNvPr id="5" name="Date Placeholder 4"/>
           <p:cNvSpPr>
             <a:spLocks noGrp="1"/>
           </p:cNvSpPr>
@@ -2682,7 +2667,7 @@
           <a:p>
             <a:fld id="{713F76DE-9537-41DE-9976-4F7B46FFBDC1}" type="datetimeFigureOut">
               <a:rPr lang="fr-CA" smtClean="0"/>
-              <a:t>2023-02-20</a:t>
+              <a:t>2024-02-23</a:t>
             </a:fld>
             <a:endParaRPr lang="fr-CA"/>
           </a:p>
@@ -2690,13 +2675,7 @@
       </p:sp>
       <p:sp>
         <p:nvSpPr>
-          <p:cNvPr id="6" name="Espace réservé du pied de page 5">
-            <a:extLst>
-              <a:ext uri="{FF2B5EF4-FFF2-40B4-BE49-F238E27FC236}">
-                <a16:creationId xmlns:a16="http://schemas.microsoft.com/office/drawing/2014/main" id="{1CFCCAA7-ED61-1253-0425-D93DCA666396}"/>
-              </a:ext>
-            </a:extLst>
-          </p:cNvPr>
+          <p:cNvPr id="6" name="Footer Placeholder 5"/>
           <p:cNvSpPr>
             <a:spLocks noGrp="1"/>
           </p:cNvSpPr>
@@ -2715,13 +2694,7 @@
       </p:sp>
       <p:sp>
         <p:nvSpPr>
-          <p:cNvPr id="7" name="Espace réservé du numéro de diapositive 6">
-            <a:extLst>
-              <a:ext uri="{FF2B5EF4-FFF2-40B4-BE49-F238E27FC236}">
-                <a16:creationId xmlns:a16="http://schemas.microsoft.com/office/drawing/2014/main" id="{AEFE0499-B81B-7FC8-E4DE-37CDA54AF9B9}"/>
-              </a:ext>
-            </a:extLst>
-          </p:cNvPr>
+          <p:cNvPr id="7" name="Slide Number Placeholder 6"/>
           <p:cNvSpPr>
             <a:spLocks noGrp="1"/>
           </p:cNvSpPr>
@@ -2745,7 +2718,7 @@
     </p:spTree>
     <p:extLst>
       <p:ext uri="{BB962C8B-B14F-4D97-AF65-F5344CB8AC3E}">
-        <p14:creationId xmlns:p14="http://schemas.microsoft.com/office/powerpoint/2010/main" val="1551733680"/>
+        <p14:creationId xmlns:p14="http://schemas.microsoft.com/office/powerpoint/2010/main" val="991854460"/>
       </p:ext>
     </p:extLst>
   </p:cSld>
@@ -2779,13 +2752,7 @@
       </p:grpSpPr>
       <p:sp>
         <p:nvSpPr>
-          <p:cNvPr id="2" name="Espace réservé du titre 1">
-            <a:extLst>
-              <a:ext uri="{FF2B5EF4-FFF2-40B4-BE49-F238E27FC236}">
-                <a16:creationId xmlns:a16="http://schemas.microsoft.com/office/drawing/2014/main" id="{0B7E1D15-8B78-194D-0641-E8E32023538C}"/>
-              </a:ext>
-            </a:extLst>
-          </p:cNvPr>
+          <p:cNvPr id="2" name="Title Placeholder 1"/>
           <p:cNvSpPr>
             <a:spLocks noGrp="1"/>
           </p:cNvSpPr>
@@ -2795,8 +2762,8 @@
         </p:nvSpPr>
         <p:spPr>
           <a:xfrm>
-            <a:off x="838200" y="365125"/>
-            <a:ext cx="10515600" cy="1325563"/>
+            <a:off x="628650" y="365126"/>
+            <a:ext cx="7886700" cy="1325563"/>
           </a:xfrm>
           <a:prstGeom prst="rect">
             <a:avLst/>
@@ -2812,19 +2779,13 @@
               <a:rPr lang="fr-FR"/>
               <a:t>Modifiez le style du titre</a:t>
             </a:r>
-            <a:endParaRPr lang="fr-CA"/>
-          </a:p>
-        </p:txBody>
-      </p:sp>
-      <p:sp>
-        <p:nvSpPr>
-          <p:cNvPr id="3" name="Espace réservé du texte 2">
-            <a:extLst>
-              <a:ext uri="{FF2B5EF4-FFF2-40B4-BE49-F238E27FC236}">
-                <a16:creationId xmlns:a16="http://schemas.microsoft.com/office/drawing/2014/main" id="{0F562CD9-F17A-C3BB-CD4C-942BE0018B0C}"/>
-              </a:ext>
-            </a:extLst>
-          </p:cNvPr>
+            <a:endParaRPr lang="en-US" dirty="0"/>
+          </a:p>
+        </p:txBody>
+      </p:sp>
+      <p:sp>
+        <p:nvSpPr>
+          <p:cNvPr id="3" name="Text Placeholder 2"/>
           <p:cNvSpPr>
             <a:spLocks noGrp="1"/>
           </p:cNvSpPr>
@@ -2834,8 +2795,8 @@
         </p:nvSpPr>
         <p:spPr>
           <a:xfrm>
-            <a:off x="838200" y="1825625"/>
-            <a:ext cx="10515600" cy="4351338"/>
+            <a:off x="628650" y="1825625"/>
+            <a:ext cx="7886700" cy="4351338"/>
           </a:xfrm>
           <a:prstGeom prst="rect">
             <a:avLst/>
@@ -2880,19 +2841,13 @@
               <a:rPr lang="fr-FR"/>
               <a:t>Cinquième niveau</a:t>
             </a:r>
-            <a:endParaRPr lang="fr-CA"/>
-          </a:p>
-        </p:txBody>
-      </p:sp>
-      <p:sp>
-        <p:nvSpPr>
-          <p:cNvPr id="4" name="Espace réservé de la date 3">
-            <a:extLst>
-              <a:ext uri="{FF2B5EF4-FFF2-40B4-BE49-F238E27FC236}">
-                <a16:creationId xmlns:a16="http://schemas.microsoft.com/office/drawing/2014/main" id="{0FDD0DA8-4C01-5E6B-F354-A82E21714612}"/>
-              </a:ext>
-            </a:extLst>
-          </p:cNvPr>
+            <a:endParaRPr lang="en-US" dirty="0"/>
+          </a:p>
+        </p:txBody>
+      </p:sp>
+      <p:sp>
+        <p:nvSpPr>
+          <p:cNvPr id="4" name="Date Placeholder 3"/>
           <p:cNvSpPr>
             <a:spLocks noGrp="1"/>
           </p:cNvSpPr>
@@ -2902,8 +2857,8 @@
         </p:nvSpPr>
         <p:spPr>
           <a:xfrm>
-            <a:off x="838200" y="6356350"/>
-            <a:ext cx="2743200" cy="365125"/>
+            <a:off x="628650" y="6356351"/>
+            <a:ext cx="2057400" cy="365125"/>
           </a:xfrm>
           <a:prstGeom prst="rect">
             <a:avLst/>
@@ -2925,7 +2880,7 @@
           <a:p>
             <a:fld id="{713F76DE-9537-41DE-9976-4F7B46FFBDC1}" type="datetimeFigureOut">
               <a:rPr lang="fr-CA" smtClean="0"/>
-              <a:t>2023-02-20</a:t>
+              <a:t>2024-02-23</a:t>
             </a:fld>
             <a:endParaRPr lang="fr-CA"/>
           </a:p>
@@ -2933,13 +2888,7 @@
       </p:sp>
       <p:sp>
         <p:nvSpPr>
-          <p:cNvPr id="5" name="Espace réservé du pied de page 4">
-            <a:extLst>
-              <a:ext uri="{FF2B5EF4-FFF2-40B4-BE49-F238E27FC236}">
-                <a16:creationId xmlns:a16="http://schemas.microsoft.com/office/drawing/2014/main" id="{97B5ACEA-FC21-4D6D-3F1D-89BFD07CEF60}"/>
-              </a:ext>
-            </a:extLst>
-          </p:cNvPr>
+          <p:cNvPr id="5" name="Footer Placeholder 4"/>
           <p:cNvSpPr>
             <a:spLocks noGrp="1"/>
           </p:cNvSpPr>
@@ -2949,8 +2898,8 @@
         </p:nvSpPr>
         <p:spPr>
           <a:xfrm>
-            <a:off x="4038600" y="6356350"/>
-            <a:ext cx="4114800" cy="365125"/>
+            <a:off x="3028950" y="6356351"/>
+            <a:ext cx="3086100" cy="365125"/>
           </a:xfrm>
           <a:prstGeom prst="rect">
             <a:avLst/>
@@ -2976,13 +2925,7 @@
       </p:sp>
       <p:sp>
         <p:nvSpPr>
-          <p:cNvPr id="6" name="Espace réservé du numéro de diapositive 5">
-            <a:extLst>
-              <a:ext uri="{FF2B5EF4-FFF2-40B4-BE49-F238E27FC236}">
-                <a16:creationId xmlns:a16="http://schemas.microsoft.com/office/drawing/2014/main" id="{03143CCD-0A98-6DF6-5763-6504D61C2A96}"/>
-              </a:ext>
-            </a:extLst>
-          </p:cNvPr>
+          <p:cNvPr id="6" name="Slide Number Placeholder 5"/>
           <p:cNvSpPr>
             <a:spLocks noGrp="1"/>
           </p:cNvSpPr>
@@ -2992,8 +2935,8 @@
         </p:nvSpPr>
         <p:spPr>
           <a:xfrm>
-            <a:off x="8610600" y="6356350"/>
-            <a:ext cx="2743200" cy="365125"/>
+            <a:off x="6457950" y="6356351"/>
+            <a:ext cx="2057400" cy="365125"/>
           </a:xfrm>
           <a:prstGeom prst="rect">
             <a:avLst/>
@@ -3024,23 +2967,23 @@
     </p:spTree>
     <p:extLst>
       <p:ext uri="{BB962C8B-B14F-4D97-AF65-F5344CB8AC3E}">
-        <p14:creationId xmlns:p14="http://schemas.microsoft.com/office/powerpoint/2010/main" val="3534988135"/>
+        <p14:creationId xmlns:p14="http://schemas.microsoft.com/office/powerpoint/2010/main" val="1427718496"/>
       </p:ext>
     </p:extLst>
   </p:cSld>
   <p:clrMap bg1="lt1" tx1="dk1" bg2="lt2" tx2="dk2" accent1="accent1" accent2="accent2" accent3="accent3" accent4="accent4" accent5="accent5" accent6="accent6" hlink="hlink" folHlink="folHlink"/>
   <p:sldLayoutIdLst>
-    <p:sldLayoutId id="2147483649" r:id="rId1"/>
-    <p:sldLayoutId id="2147483650" r:id="rId2"/>
-    <p:sldLayoutId id="2147483651" r:id="rId3"/>
-    <p:sldLayoutId id="2147483652" r:id="rId4"/>
-    <p:sldLayoutId id="2147483653" r:id="rId5"/>
-    <p:sldLayoutId id="2147483654" r:id="rId6"/>
-    <p:sldLayoutId id="2147483655" r:id="rId7"/>
-    <p:sldLayoutId id="2147483656" r:id="rId8"/>
-    <p:sldLayoutId id="2147483657" r:id="rId9"/>
-    <p:sldLayoutId id="2147483658" r:id="rId10"/>
-    <p:sldLayoutId id="2147483659" r:id="rId11"/>
+    <p:sldLayoutId id="2147483661" r:id="rId1"/>
+    <p:sldLayoutId id="2147483662" r:id="rId2"/>
+    <p:sldLayoutId id="2147483663" r:id="rId3"/>
+    <p:sldLayoutId id="2147483664" r:id="rId4"/>
+    <p:sldLayoutId id="2147483665" r:id="rId5"/>
+    <p:sldLayoutId id="2147483666" r:id="rId6"/>
+    <p:sldLayoutId id="2147483667" r:id="rId7"/>
+    <p:sldLayoutId id="2147483668" r:id="rId8"/>
+    <p:sldLayoutId id="2147483669" r:id="rId9"/>
+    <p:sldLayoutId id="2147483670" r:id="rId10"/>
+    <p:sldLayoutId id="2147483671" r:id="rId11"/>
   </p:sldLayoutIdLst>
   <p:txStyles>
     <p:titleStyle>
@@ -3228,7 +3171,7 @@
     </p:bodyStyle>
     <p:otherStyle>
       <a:defPPr>
-        <a:defRPr lang="fr-FR"/>
+        <a:defRPr lang="en-US"/>
       </a:defPPr>
       <a:lvl1pPr marL="0" algn="l" defTabSz="914400" rtl="0" eaLnBrk="1" latinLnBrk="0" hangingPunct="1">
         <a:defRPr sz="1800" kern="1200">
@@ -3344,10 +3287,10 @@
       </p:grpSpPr>
       <p:pic>
         <p:nvPicPr>
-          <p:cNvPr id="3" name="Image 2">
+          <p:cNvPr id="4" name="Image 3">
             <a:extLst>
               <a:ext uri="{FF2B5EF4-FFF2-40B4-BE49-F238E27FC236}">
-                <a16:creationId xmlns:a16="http://schemas.microsoft.com/office/drawing/2014/main" id="{6464DF5F-6F9B-68A5-A7B8-FF8A362B5F59}"/>
+                <a16:creationId xmlns:a16="http://schemas.microsoft.com/office/drawing/2014/main" id="{68BEDEDB-03FA-D81A-F486-EA5785C30935}"/>
               </a:ext>
             </a:extLst>
           </p:cNvPr>
@@ -3357,21 +3300,15 @@
           <p:nvPr/>
         </p:nvPicPr>
         <p:blipFill>
-          <a:blip r:embed="rId2">
-            <a:extLst>
-              <a:ext uri="{28A0092B-C50C-407E-A947-70E740481C1C}">
-                <a14:useLocalDpi xmlns:a14="http://schemas.microsoft.com/office/drawing/2010/main" val="0"/>
-              </a:ext>
-            </a:extLst>
-          </a:blip>
+          <a:blip r:embed="rId2"/>
           <a:stretch>
             <a:fillRect/>
           </a:stretch>
         </p:blipFill>
         <p:spPr>
           <a:xfrm>
-            <a:off x="2750209" y="-1"/>
-            <a:ext cx="7320231" cy="6858000"/>
+            <a:off x="1355039" y="1222131"/>
+            <a:ext cx="7148018" cy="4778619"/>
           </a:xfrm>
           <a:prstGeom prst="rect">
             <a:avLst/>
@@ -3380,10 +3317,10 @@
       </p:pic>
       <p:pic>
         <p:nvPicPr>
-          <p:cNvPr id="5" name="Image 4">
+          <p:cNvPr id="8" name="Image 7">
             <a:extLst>
               <a:ext uri="{FF2B5EF4-FFF2-40B4-BE49-F238E27FC236}">
-                <a16:creationId xmlns:a16="http://schemas.microsoft.com/office/drawing/2014/main" id="{246DF256-FDE4-C227-6C6A-B5B0786D6128}"/>
+                <a16:creationId xmlns:a16="http://schemas.microsoft.com/office/drawing/2014/main" id="{D3D200B5-039F-4832-B1AD-7FD6750A533A}"/>
               </a:ext>
             </a:extLst>
           </p:cNvPr>
@@ -3393,21 +3330,15 @@
           <p:nvPr/>
         </p:nvPicPr>
         <p:blipFill>
-          <a:blip r:embed="rId3">
-            <a:extLst>
-              <a:ext uri="{28A0092B-C50C-407E-A947-70E740481C1C}">
-                <a14:useLocalDpi xmlns:a14="http://schemas.microsoft.com/office/drawing/2010/main" val="0"/>
-              </a:ext>
-            </a:extLst>
-          </a:blip>
+          <a:blip r:embed="rId3"/>
           <a:stretch>
             <a:fillRect/>
           </a:stretch>
         </p:blipFill>
         <p:spPr>
           <a:xfrm>
-            <a:off x="1" y="1095374"/>
-            <a:ext cx="3219450" cy="2919966"/>
+            <a:off x="366991" y="1738381"/>
+            <a:ext cx="1799827" cy="1741228"/>
           </a:xfrm>
           <a:prstGeom prst="rect">
             <a:avLst/>
@@ -3416,10 +3347,10 @@
       </p:pic>
       <p:pic>
         <p:nvPicPr>
-          <p:cNvPr id="7" name="Image 6">
+          <p:cNvPr id="20" name="Image 19">
             <a:extLst>
               <a:ext uri="{FF2B5EF4-FFF2-40B4-BE49-F238E27FC236}">
-                <a16:creationId xmlns:a16="http://schemas.microsoft.com/office/drawing/2014/main" id="{0060C74C-549E-3AF0-8987-414816217927}"/>
+                <a16:creationId xmlns:a16="http://schemas.microsoft.com/office/drawing/2014/main" id="{8DC36F6E-EC1A-C2E9-CD7C-AB051442C237}"/>
               </a:ext>
             </a:extLst>
           </p:cNvPr>
@@ -3429,21 +3360,15 @@
           <p:nvPr/>
         </p:nvPicPr>
         <p:blipFill>
-          <a:blip r:embed="rId4">
-            <a:extLst>
-              <a:ext uri="{28A0092B-C50C-407E-A947-70E740481C1C}">
-                <a14:useLocalDpi xmlns:a14="http://schemas.microsoft.com/office/drawing/2010/main" val="0"/>
-              </a:ext>
-            </a:extLst>
-          </a:blip>
+          <a:blip r:embed="rId4"/>
           <a:stretch>
             <a:fillRect/>
           </a:stretch>
         </p:blipFill>
         <p:spPr>
           <a:xfrm>
-            <a:off x="8972549" y="1095374"/>
-            <a:ext cx="3219450" cy="2425818"/>
+            <a:off x="6956484" y="2031375"/>
+            <a:ext cx="1805216" cy="1469362"/>
           </a:xfrm>
           <a:prstGeom prst="rect">
             <a:avLst/>
@@ -3463,9 +3388,9 @@
           <p:nvPr/>
         </p:nvSpPr>
         <p:spPr>
-          <a:xfrm>
-            <a:off x="1610138" y="741456"/>
-            <a:ext cx="2653748" cy="590386"/>
+          <a:xfrm rot="9900000">
+            <a:off x="1146025" y="1237724"/>
+            <a:ext cx="1444576" cy="538923"/>
           </a:xfrm>
           <a:custGeom>
             <a:avLst/>
@@ -3578,6 +3503,22 @@
               <a:gd name="connsiteY0" fmla="*/ 590386 h 590386"/>
               <a:gd name="connsiteX1" fmla="*/ 2653748 w 2653748"/>
               <a:gd name="connsiteY1" fmla="*/ 13917 h 590386"/>
+              <a:gd name="connsiteX0" fmla="*/ -1 w 2381961"/>
+              <a:gd name="connsiteY0" fmla="*/ 205140 h 469593"/>
+              <a:gd name="connsiteX1" fmla="*/ 2381961 w 2381961"/>
+              <a:gd name="connsiteY1" fmla="*/ 469592 h 469593"/>
+              <a:gd name="connsiteX0" fmla="*/ 574 w 2382536"/>
+              <a:gd name="connsiteY0" fmla="*/ 0 h 404708"/>
+              <a:gd name="connsiteX1" fmla="*/ 2382536 w 2382536"/>
+              <a:gd name="connsiteY1" fmla="*/ 264452 h 404708"/>
+              <a:gd name="connsiteX0" fmla="*/ 1001 w 1926757"/>
+              <a:gd name="connsiteY0" fmla="*/ 0 h 382969"/>
+              <a:gd name="connsiteX1" fmla="*/ 1926758 w 1926757"/>
+              <a:gd name="connsiteY1" fmla="*/ 204161 h 382969"/>
+              <a:gd name="connsiteX0" fmla="*/ 344 w 1926101"/>
+              <a:gd name="connsiteY0" fmla="*/ 0 h 718563"/>
+              <a:gd name="connsiteX1" fmla="*/ 1926101 w 1926101"/>
+              <a:gd name="connsiteY1" fmla="*/ 204161 h 718563"/>
             </a:gdLst>
             <a:ahLst/>
             <a:cxnLst>
@@ -3590,14 +3531,14 @@
             </a:cxnLst>
             <a:rect l="l" t="t" r="r" b="b"/>
             <a:pathLst>
-              <a:path w="2653748" h="590386">
+              <a:path w="1926101" h="718563">
                 <a:moveTo>
-                  <a:pt x="0" y="590386"/>
+                  <a:pt x="344" y="0"/>
                 </a:moveTo>
                 <a:cubicBezTo>
-                  <a:pt x="46383" y="23856"/>
-                  <a:pt x="1275521" y="-35779"/>
-                  <a:pt x="2653748" y="13917"/>
+                  <a:pt x="-28086" y="753067"/>
+                  <a:pt x="1715674" y="1055890"/>
+                  <a:pt x="1926101" y="204161"/>
                 </a:cubicBezTo>
               </a:path>
             </a:pathLst>
@@ -3632,7 +3573,7 @@
           <a:lstStyle/>
           <a:p>
             <a:pPr algn="ctr"/>
-            <a:endParaRPr lang="fr-CA"/>
+            <a:endParaRPr lang="fr-CA" sz="1350"/>
           </a:p>
         </p:txBody>
       </p:sp>
@@ -3650,8 +3591,8 @@
         </p:nvSpPr>
         <p:spPr>
           <a:xfrm rot="9900000">
-            <a:off x="9324533" y="3659045"/>
-            <a:ext cx="2034962" cy="1954335"/>
+            <a:off x="6610050" y="2669867"/>
+            <a:ext cx="943150" cy="2269317"/>
           </a:xfrm>
           <a:custGeom>
             <a:avLst/>
@@ -3776,6 +3717,50 @@
               <a:gd name="connsiteY0" fmla="*/ 1954335 h 1954335"/>
               <a:gd name="connsiteX1" fmla="*/ 2034962 w 2034962"/>
               <a:gd name="connsiteY1" fmla="*/ 39031 h 1954335"/>
+              <a:gd name="connsiteX0" fmla="*/ 65216 w 890360"/>
+              <a:gd name="connsiteY0" fmla="*/ 494739 h 494739"/>
+              <a:gd name="connsiteX1" fmla="*/ 890360 w 890360"/>
+              <a:gd name="connsiteY1" fmla="*/ 175680 h 494739"/>
+              <a:gd name="connsiteX0" fmla="*/ 169160 w 994304"/>
+              <a:gd name="connsiteY0" fmla="*/ 368680 h 576359"/>
+              <a:gd name="connsiteX1" fmla="*/ 994304 w 994304"/>
+              <a:gd name="connsiteY1" fmla="*/ 49621 h 576359"/>
+              <a:gd name="connsiteX0" fmla="*/ 1076933 w 1076933"/>
+              <a:gd name="connsiteY0" fmla="*/ 0 h 1784350"/>
+              <a:gd name="connsiteX1" fmla="*/ 533134 w 1076933"/>
+              <a:gd name="connsiteY1" fmla="*/ 1784350 h 1784350"/>
+              <a:gd name="connsiteX0" fmla="*/ 701277 w 701277"/>
+              <a:gd name="connsiteY0" fmla="*/ 0 h 1784350"/>
+              <a:gd name="connsiteX1" fmla="*/ 157478 w 701277"/>
+              <a:gd name="connsiteY1" fmla="*/ 1784350 h 1784350"/>
+              <a:gd name="connsiteX0" fmla="*/ 1248147 w 1248146"/>
+              <a:gd name="connsiteY0" fmla="*/ 0 h 1578385"/>
+              <a:gd name="connsiteX1" fmla="*/ 109073 w 1248146"/>
+              <a:gd name="connsiteY1" fmla="*/ 1578385 h 1578385"/>
+              <a:gd name="connsiteX0" fmla="*/ 464078 w 464078"/>
+              <a:gd name="connsiteY0" fmla="*/ 0 h 2741566"/>
+              <a:gd name="connsiteX1" fmla="*/ 198104 w 464078"/>
+              <a:gd name="connsiteY1" fmla="*/ 2741566 h 2741566"/>
+              <a:gd name="connsiteX0" fmla="*/ 265974 w 514978"/>
+              <a:gd name="connsiteY0" fmla="*/ 0 h 2763907"/>
+              <a:gd name="connsiteX1" fmla="*/ 0 w 514978"/>
+              <a:gd name="connsiteY1" fmla="*/ 2741566 h 2763907"/>
+              <a:gd name="connsiteX0" fmla="*/ 5957 w 721872"/>
+              <a:gd name="connsiteY0" fmla="*/ -1 h 2917999"/>
+              <a:gd name="connsiteX1" fmla="*/ 348808 w 721872"/>
+              <a:gd name="connsiteY1" fmla="*/ 2896955 h 2917999"/>
+              <a:gd name="connsiteX0" fmla="*/ 877 w 727663"/>
+              <a:gd name="connsiteY0" fmla="*/ 0 h 2915964"/>
+              <a:gd name="connsiteX1" fmla="*/ 343728 w 727663"/>
+              <a:gd name="connsiteY1" fmla="*/ 2896956 h 2915964"/>
+              <a:gd name="connsiteX0" fmla="*/ 470 w 1279306"/>
+              <a:gd name="connsiteY0" fmla="*/ 0 h 2999977"/>
+              <a:gd name="connsiteX1" fmla="*/ 343321 w 1279306"/>
+              <a:gd name="connsiteY1" fmla="*/ 2896956 h 2999977"/>
+              <a:gd name="connsiteX0" fmla="*/ 12851 w 1257531"/>
+              <a:gd name="connsiteY0" fmla="*/ 0 h 3025757"/>
+              <a:gd name="connsiteX1" fmla="*/ 355702 w 1257531"/>
+              <a:gd name="connsiteY1" fmla="*/ 2896956 h 3025757"/>
             </a:gdLst>
             <a:ahLst/>
             <a:cxnLst>
@@ -3788,14 +3773,14 @@
             </a:cxnLst>
             <a:rect l="l" t="t" r="r" b="b"/>
             <a:pathLst>
-              <a:path w="2034962" h="1954335">
+              <a:path w="1257531" h="3025757">
                 <a:moveTo>
-                  <a:pt x="0" y="1954335"/>
+                  <a:pt x="12851" y="0"/>
                 </a:moveTo>
                 <a:cubicBezTo>
-                  <a:pt x="146843" y="1435302"/>
-                  <a:pt x="615441" y="-278974"/>
-                  <a:pt x="2034962" y="39031"/>
+                  <a:pt x="-213832" y="1192887"/>
+                  <a:pt x="2663700" y="3608712"/>
+                  <a:pt x="355702" y="2896956"/>
                 </a:cubicBezTo>
               </a:path>
             </a:pathLst>
@@ -3830,7 +3815,7 @@
           <a:lstStyle/>
           <a:p>
             <a:pPr algn="ctr"/>
-            <a:endParaRPr lang="fr-CA"/>
+            <a:endParaRPr lang="fr-CA" sz="1350"/>
           </a:p>
         </p:txBody>
       </p:sp>
@@ -3848,8 +3833,8 @@
         </p:nvSpPr>
         <p:spPr>
           <a:xfrm>
-            <a:off x="1123122" y="1958999"/>
-            <a:ext cx="487016" cy="228600"/>
+            <a:off x="926490" y="2326498"/>
+            <a:ext cx="1240328" cy="287675"/>
           </a:xfrm>
           <a:prstGeom prst="rect">
             <a:avLst/>
@@ -3882,7 +3867,7 @@
           <a:lstStyle/>
           <a:p>
             <a:pPr algn="ctr"/>
-            <a:endParaRPr lang="fr-CA"/>
+            <a:endParaRPr lang="fr-CA" sz="1350"/>
           </a:p>
         </p:txBody>
       </p:sp>
@@ -3900,8 +3885,8 @@
         </p:nvSpPr>
         <p:spPr>
           <a:xfrm>
-            <a:off x="10180983" y="1993830"/>
-            <a:ext cx="434008" cy="193769"/>
+            <a:off x="7211141" y="2525078"/>
+            <a:ext cx="1548715" cy="243226"/>
           </a:xfrm>
           <a:prstGeom prst="rect">
             <a:avLst/>
@@ -3934,7 +3919,7 @@
           <a:lstStyle/>
           <a:p>
             <a:pPr algn="ctr"/>
-            <a:endParaRPr lang="fr-CA"/>
+            <a:endParaRPr lang="fr-CA" sz="1350"/>
           </a:p>
         </p:txBody>
       </p:sp>
@@ -3952,8 +3937,8 @@
         </p:nvSpPr>
         <p:spPr>
           <a:xfrm>
-            <a:off x="10143258" y="2828484"/>
-            <a:ext cx="2018924" cy="193769"/>
+            <a:off x="7211142" y="3007209"/>
+            <a:ext cx="1557086" cy="243226"/>
           </a:xfrm>
           <a:prstGeom prst="rect">
             <a:avLst/>
@@ -3986,217 +3971,40 @@
           <a:lstStyle/>
           <a:p>
             <a:pPr algn="ctr"/>
-            <a:endParaRPr lang="fr-CA"/>
-          </a:p>
-        </p:txBody>
-      </p:sp>
-      <p:sp>
-        <p:nvSpPr>
-          <p:cNvPr id="18" name="Forme libre : forme 17">
+            <a:endParaRPr lang="fr-CA" sz="1350"/>
+          </a:p>
+        </p:txBody>
+      </p:sp>
+      <p:sp>
+        <p:nvSpPr>
+          <p:cNvPr id="9" name="Titre 8">
             <a:extLst>
               <a:ext uri="{FF2B5EF4-FFF2-40B4-BE49-F238E27FC236}">
-                <a16:creationId xmlns:a16="http://schemas.microsoft.com/office/drawing/2014/main" id="{69D264CF-4EE3-1681-4225-9F60584835F6}"/>
+                <a16:creationId xmlns:a16="http://schemas.microsoft.com/office/drawing/2014/main" id="{94DCBB39-D41F-DBAE-5B06-E9B22F59DEEF}"/>
               </a:ext>
             </a:extLst>
           </p:cNvPr>
-          <p:cNvSpPr/>
-          <p:nvPr/>
+          <p:cNvSpPr>
+            <a:spLocks noGrp="1"/>
+          </p:cNvSpPr>
+          <p:nvPr>
+            <p:ph type="title"/>
+          </p:nvPr>
         </p:nvSpPr>
         <p:spPr>
-          <a:xfrm rot="9900000">
-            <a:off x="9524928" y="3516108"/>
-            <a:ext cx="1423006" cy="953169"/>
+          <a:xfrm>
+            <a:off x="189760" y="225941"/>
+            <a:ext cx="2847975" cy="287338"/>
           </a:xfrm>
-          <a:custGeom>
-            <a:avLst/>
-            <a:gdLst>
-              <a:gd name="connsiteX0" fmla="*/ 0 w 4582162"/>
-              <a:gd name="connsiteY0" fmla="*/ 578222 h 578222"/>
-              <a:gd name="connsiteX1" fmla="*/ 2643809 w 4582162"/>
-              <a:gd name="connsiteY1" fmla="*/ 41509 h 578222"/>
-              <a:gd name="connsiteX2" fmla="*/ 3269974 w 4582162"/>
-              <a:gd name="connsiteY2" fmla="*/ 1753 h 578222"/>
-              <a:gd name="connsiteX3" fmla="*/ 4552122 w 4582162"/>
-              <a:gd name="connsiteY3" fmla="*/ 51449 h 578222"/>
-              <a:gd name="connsiteX4" fmla="*/ 4562061 w 4582162"/>
-              <a:gd name="connsiteY4" fmla="*/ 140901 h 578222"/>
-              <a:gd name="connsiteX5" fmla="*/ 4572000 w 4582162"/>
-              <a:gd name="connsiteY5" fmla="*/ 101144 h 578222"/>
-              <a:gd name="connsiteX6" fmla="*/ 4581939 w 4582162"/>
-              <a:gd name="connsiteY6" fmla="*/ 11692 h 578222"/>
-              <a:gd name="connsiteX0" fmla="*/ 0 w 4582162"/>
-              <a:gd name="connsiteY0" fmla="*/ 578321 h 578321"/>
-              <a:gd name="connsiteX1" fmla="*/ 1113183 w 4582162"/>
-              <a:gd name="connsiteY1" fmla="*/ 101243 h 578321"/>
-              <a:gd name="connsiteX2" fmla="*/ 3269974 w 4582162"/>
-              <a:gd name="connsiteY2" fmla="*/ 1852 h 578321"/>
-              <a:gd name="connsiteX3" fmla="*/ 4552122 w 4582162"/>
-              <a:gd name="connsiteY3" fmla="*/ 51548 h 578321"/>
-              <a:gd name="connsiteX4" fmla="*/ 4562061 w 4582162"/>
-              <a:gd name="connsiteY4" fmla="*/ 141000 h 578321"/>
-              <a:gd name="connsiteX5" fmla="*/ 4572000 w 4582162"/>
-              <a:gd name="connsiteY5" fmla="*/ 101243 h 578321"/>
-              <a:gd name="connsiteX6" fmla="*/ 4581939 w 4582162"/>
-              <a:gd name="connsiteY6" fmla="*/ 11791 h 578321"/>
-              <a:gd name="connsiteX0" fmla="*/ 0 w 4582162"/>
-              <a:gd name="connsiteY0" fmla="*/ 597450 h 597450"/>
-              <a:gd name="connsiteX1" fmla="*/ 1113183 w 4582162"/>
-              <a:gd name="connsiteY1" fmla="*/ 120372 h 597450"/>
-              <a:gd name="connsiteX2" fmla="*/ 1739348 w 4582162"/>
-              <a:gd name="connsiteY2" fmla="*/ 1102 h 597450"/>
-              <a:gd name="connsiteX3" fmla="*/ 4552122 w 4582162"/>
-              <a:gd name="connsiteY3" fmla="*/ 70677 h 597450"/>
-              <a:gd name="connsiteX4" fmla="*/ 4562061 w 4582162"/>
-              <a:gd name="connsiteY4" fmla="*/ 160129 h 597450"/>
-              <a:gd name="connsiteX5" fmla="*/ 4572000 w 4582162"/>
-              <a:gd name="connsiteY5" fmla="*/ 120372 h 597450"/>
-              <a:gd name="connsiteX6" fmla="*/ 4581939 w 4582162"/>
-              <a:gd name="connsiteY6" fmla="*/ 30920 h 597450"/>
-              <a:gd name="connsiteX0" fmla="*/ 0 w 4572085"/>
-              <a:gd name="connsiteY0" fmla="*/ 636104 h 636104"/>
-              <a:gd name="connsiteX1" fmla="*/ 1113183 w 4572085"/>
-              <a:gd name="connsiteY1" fmla="*/ 159026 h 636104"/>
-              <a:gd name="connsiteX2" fmla="*/ 1739348 w 4572085"/>
-              <a:gd name="connsiteY2" fmla="*/ 39756 h 636104"/>
-              <a:gd name="connsiteX3" fmla="*/ 4552122 w 4572085"/>
-              <a:gd name="connsiteY3" fmla="*/ 109331 h 636104"/>
-              <a:gd name="connsiteX4" fmla="*/ 4562061 w 4572085"/>
-              <a:gd name="connsiteY4" fmla="*/ 198783 h 636104"/>
-              <a:gd name="connsiteX5" fmla="*/ 4572000 w 4572085"/>
-              <a:gd name="connsiteY5" fmla="*/ 159026 h 636104"/>
-              <a:gd name="connsiteX6" fmla="*/ 2971800 w 4572085"/>
-              <a:gd name="connsiteY6" fmla="*/ 0 h 636104"/>
-              <a:gd name="connsiteX0" fmla="*/ 0 w 4572085"/>
-              <a:gd name="connsiteY0" fmla="*/ 597451 h 597451"/>
-              <a:gd name="connsiteX1" fmla="*/ 1113183 w 4572085"/>
-              <a:gd name="connsiteY1" fmla="*/ 120373 h 597451"/>
-              <a:gd name="connsiteX2" fmla="*/ 1739348 w 4572085"/>
-              <a:gd name="connsiteY2" fmla="*/ 1103 h 597451"/>
-              <a:gd name="connsiteX3" fmla="*/ 4552122 w 4572085"/>
-              <a:gd name="connsiteY3" fmla="*/ 70678 h 597451"/>
-              <a:gd name="connsiteX4" fmla="*/ 4562061 w 4572085"/>
-              <a:gd name="connsiteY4" fmla="*/ 160130 h 597451"/>
-              <a:gd name="connsiteX5" fmla="*/ 4572000 w 4572085"/>
-              <a:gd name="connsiteY5" fmla="*/ 120373 h 597451"/>
-              <a:gd name="connsiteX0" fmla="*/ 0 w 4773823"/>
-              <a:gd name="connsiteY0" fmla="*/ 596629 h 596629"/>
-              <a:gd name="connsiteX1" fmla="*/ 1113183 w 4773823"/>
-              <a:gd name="connsiteY1" fmla="*/ 119551 h 596629"/>
-              <a:gd name="connsiteX2" fmla="*/ 1739348 w 4773823"/>
-              <a:gd name="connsiteY2" fmla="*/ 281 h 596629"/>
-              <a:gd name="connsiteX3" fmla="*/ 4562061 w 4773823"/>
-              <a:gd name="connsiteY3" fmla="*/ 159308 h 596629"/>
-              <a:gd name="connsiteX4" fmla="*/ 4572000 w 4773823"/>
-              <a:gd name="connsiteY4" fmla="*/ 119551 h 596629"/>
-              <a:gd name="connsiteX0" fmla="*/ 0 w 4562061"/>
-              <a:gd name="connsiteY0" fmla="*/ 596629 h 596629"/>
-              <a:gd name="connsiteX1" fmla="*/ 1113183 w 4562061"/>
-              <a:gd name="connsiteY1" fmla="*/ 119551 h 596629"/>
-              <a:gd name="connsiteX2" fmla="*/ 1739348 w 4562061"/>
-              <a:gd name="connsiteY2" fmla="*/ 281 h 596629"/>
-              <a:gd name="connsiteX3" fmla="*/ 4562061 w 4562061"/>
-              <a:gd name="connsiteY3" fmla="*/ 159308 h 596629"/>
-              <a:gd name="connsiteX0" fmla="*/ 0 w 1739348"/>
-              <a:gd name="connsiteY0" fmla="*/ 596629 h 596629"/>
-              <a:gd name="connsiteX1" fmla="*/ 1113183 w 1739348"/>
-              <a:gd name="connsiteY1" fmla="*/ 119551 h 596629"/>
-              <a:gd name="connsiteX2" fmla="*/ 1739348 w 1739348"/>
-              <a:gd name="connsiteY2" fmla="*/ 281 h 596629"/>
-              <a:gd name="connsiteX0" fmla="*/ 0 w 1113183"/>
-              <a:gd name="connsiteY0" fmla="*/ 477078 h 477078"/>
-              <a:gd name="connsiteX1" fmla="*/ 1113183 w 1113183"/>
-              <a:gd name="connsiteY1" fmla="*/ 0 h 477078"/>
-              <a:gd name="connsiteX0" fmla="*/ 0 w 2653748"/>
-              <a:gd name="connsiteY0" fmla="*/ 576469 h 576469"/>
-              <a:gd name="connsiteX1" fmla="*/ 2653748 w 2653748"/>
-              <a:gd name="connsiteY1" fmla="*/ 0 h 576469"/>
-              <a:gd name="connsiteX0" fmla="*/ 0 w 2653748"/>
-              <a:gd name="connsiteY0" fmla="*/ 580297 h 580297"/>
-              <a:gd name="connsiteX1" fmla="*/ 2653748 w 2653748"/>
-              <a:gd name="connsiteY1" fmla="*/ 3828 h 580297"/>
-              <a:gd name="connsiteX0" fmla="*/ 0 w 2653748"/>
-              <a:gd name="connsiteY0" fmla="*/ 590386 h 590386"/>
-              <a:gd name="connsiteX1" fmla="*/ 2653748 w 2653748"/>
-              <a:gd name="connsiteY1" fmla="*/ 13917 h 590386"/>
-              <a:gd name="connsiteX0" fmla="*/ 0 w 2034962"/>
-              <a:gd name="connsiteY0" fmla="*/ 1916595 h 1916595"/>
-              <a:gd name="connsiteX1" fmla="*/ 2034962 w 2034962"/>
-              <a:gd name="connsiteY1" fmla="*/ 1291 h 1916595"/>
-              <a:gd name="connsiteX0" fmla="*/ 0 w 2034962"/>
-              <a:gd name="connsiteY0" fmla="*/ 1916554 h 1916554"/>
-              <a:gd name="connsiteX1" fmla="*/ 2034962 w 2034962"/>
-              <a:gd name="connsiteY1" fmla="*/ 1250 h 1916554"/>
-              <a:gd name="connsiteX0" fmla="*/ 0 w 2034962"/>
-              <a:gd name="connsiteY0" fmla="*/ 1954335 h 1954335"/>
-              <a:gd name="connsiteX1" fmla="*/ 2034962 w 2034962"/>
-              <a:gd name="connsiteY1" fmla="*/ 39031 h 1954335"/>
-              <a:gd name="connsiteX0" fmla="*/ 0 w 1423006"/>
-              <a:gd name="connsiteY0" fmla="*/ 1014166 h 1014166"/>
-              <a:gd name="connsiteX1" fmla="*/ 1423006 w 1423006"/>
-              <a:gd name="connsiteY1" fmla="*/ 77050 h 1014166"/>
-              <a:gd name="connsiteX0" fmla="*/ 0 w 1423006"/>
-              <a:gd name="connsiteY0" fmla="*/ 947663 h 947663"/>
-              <a:gd name="connsiteX1" fmla="*/ 1423006 w 1423006"/>
-              <a:gd name="connsiteY1" fmla="*/ 10547 h 947663"/>
-              <a:gd name="connsiteX0" fmla="*/ 0 w 1423006"/>
-              <a:gd name="connsiteY0" fmla="*/ 953169 h 953169"/>
-              <a:gd name="connsiteX1" fmla="*/ 1423006 w 1423006"/>
-              <a:gd name="connsiteY1" fmla="*/ 16053 h 953169"/>
-            </a:gdLst>
-            <a:ahLst/>
-            <a:cxnLst>
-              <a:cxn ang="0">
-                <a:pos x="connsiteX0" y="connsiteY0"/>
-              </a:cxn>
-              <a:cxn ang="0">
-                <a:pos x="connsiteX1" y="connsiteY1"/>
-              </a:cxn>
-            </a:cxnLst>
-            <a:rect l="l" t="t" r="r" b="b"/>
-            <a:pathLst>
-              <a:path w="1423006" h="953169">
-                <a:moveTo>
-                  <a:pt x="0" y="953169"/>
-                </a:moveTo>
-                <a:cubicBezTo>
-                  <a:pt x="215609" y="215898"/>
-                  <a:pt x="621682" y="-74568"/>
-                  <a:pt x="1423006" y="16053"/>
-                </a:cubicBezTo>
-              </a:path>
-            </a:pathLst>
-          </a:custGeom>
-          <a:noFill/>
-          <a:ln w="76200">
-            <a:solidFill>
-              <a:srgbClr val="FF0000"/>
-            </a:solidFill>
-            <a:headEnd type="none" w="med" len="med"/>
-            <a:tailEnd type="triangle" w="med" len="med"/>
-          </a:ln>
         </p:spPr>
-        <p:style>
-          <a:lnRef idx="2">
-            <a:schemeClr val="accent1">
-              <a:shade val="50000"/>
-            </a:schemeClr>
-          </a:lnRef>
-          <a:fillRef idx="1">
-            <a:schemeClr val="accent1"/>
-          </a:fillRef>
-          <a:effectRef idx="0">
-            <a:schemeClr val="accent1"/>
-          </a:effectRef>
-          <a:fontRef idx="minor">
-            <a:schemeClr val="lt1"/>
-          </a:fontRef>
-        </p:style>
-        <p:txBody>
-          <a:bodyPr rtlCol="0" anchor="ctr"/>
-          <a:lstStyle/>
-          <a:p>
-            <a:pPr algn="ctr"/>
-            <a:endParaRPr lang="fr-CA"/>
+        <p:txBody>
+          <a:bodyPr/>
+          <a:lstStyle/>
+          <a:p>
+            <a:r>
+              <a:rPr lang="fr-CA" dirty="0"/>
+              <a:t>OSC dans TouchDesigner</a:t>
+            </a:r>
           </a:p>
         </p:txBody>
       </p:sp>
@@ -4216,7 +4024,7 @@
 <file path=ppt/theme/theme1.xml><?xml version="1.0" encoding="utf-8"?>
 <a:theme xmlns:a="http://schemas.openxmlformats.org/drawingml/2006/main" name="Thème Office">
   <a:themeElements>
-    <a:clrScheme name="Office">
+    <a:clrScheme name="Thème Office">
       <a:dk1>
         <a:sysClr val="windowText" lastClr="000000"/>
       </a:dk1>
@@ -4254,7 +4062,7 @@
         <a:srgbClr val="954F72"/>
       </a:folHlink>
     </a:clrScheme>
-    <a:fontScheme name="Office">
+    <a:fontScheme name="Thème Office">
       <a:majorFont>
         <a:latin typeface="Calibri Light" panose="020F0302020204030204"/>
         <a:ea typeface=""/>
@@ -4289,23 +4097,6 @@
         <a:font script="Viet" typeface="Times New Roman"/>
         <a:font script="Uigh" typeface="Microsoft Uighur"/>
         <a:font script="Geor" typeface="Sylfaen"/>
-        <a:font script="Armn" typeface="Arial"/>
-        <a:font script="Bugi" typeface="Leelawadee UI"/>
-        <a:font script="Bopo" typeface="Microsoft JhengHei"/>
-        <a:font script="Java" typeface="Javanese Text"/>
-        <a:font script="Lisu" typeface="Segoe UI"/>
-        <a:font script="Mymr" typeface="Myanmar Text"/>
-        <a:font script="Nkoo" typeface="Ebrima"/>
-        <a:font script="Olck" typeface="Nirmala UI"/>
-        <a:font script="Osma" typeface="Ebrima"/>
-        <a:font script="Phag" typeface="Phagspa"/>
-        <a:font script="Syrn" typeface="Estrangelo Edessa"/>
-        <a:font script="Syrj" typeface="Estrangelo Edessa"/>
-        <a:font script="Syre" typeface="Estrangelo Edessa"/>
-        <a:font script="Sora" typeface="Nirmala UI"/>
-        <a:font script="Tale" typeface="Microsoft Tai Le"/>
-        <a:font script="Talu" typeface="Microsoft New Tai Lue"/>
-        <a:font script="Tfng" typeface="Ebrima"/>
       </a:majorFont>
       <a:minorFont>
         <a:latin typeface="Calibri" panose="020F0502020204030204"/>
@@ -4341,26 +4132,9 @@
         <a:font script="Viet" typeface="Arial"/>
         <a:font script="Uigh" typeface="Microsoft Uighur"/>
         <a:font script="Geor" typeface="Sylfaen"/>
-        <a:font script="Armn" typeface="Arial"/>
-        <a:font script="Bugi" typeface="Leelawadee UI"/>
-        <a:font script="Bopo" typeface="Microsoft JhengHei"/>
-        <a:font script="Java" typeface="Javanese Text"/>
-        <a:font script="Lisu" typeface="Segoe UI"/>
-        <a:font script="Mymr" typeface="Myanmar Text"/>
-        <a:font script="Nkoo" typeface="Ebrima"/>
-        <a:font script="Olck" typeface="Nirmala UI"/>
-        <a:font script="Osma" typeface="Ebrima"/>
-        <a:font script="Phag" typeface="Phagspa"/>
-        <a:font script="Syrn" typeface="Estrangelo Edessa"/>
-        <a:font script="Syrj" typeface="Estrangelo Edessa"/>
-        <a:font script="Syre" typeface="Estrangelo Edessa"/>
-        <a:font script="Sora" typeface="Nirmala UI"/>
-        <a:font script="Tale" typeface="Microsoft Tai Le"/>
-        <a:font script="Talu" typeface="Microsoft New Tai Lue"/>
-        <a:font script="Tfng" typeface="Ebrima"/>
       </a:minorFont>
     </a:fontScheme>
-    <a:fmtScheme name="Office">
+    <a:fmtScheme name="Thème Office">
       <a:fillStyleLst>
         <a:solidFill>
           <a:schemeClr val="phClr"/>
@@ -4502,7 +4276,7 @@
   <a:extraClrSchemeLst/>
   <a:extLst>
     <a:ext uri="{05A4C25C-085E-4340-85A3-A5531E510DB2}">
-      <thm15:themeFamily xmlns:thm15="http://schemas.microsoft.com/office/thememl/2012/main" name="Office Theme 2013 - 2022" id="{62F939B6-93AF-4DB8-9C6B-D6C7DFDC589F}" vid="{4A3C46E8-61CC-4603-A589-7422A47A8E4A}"/>
+      <thm15:themeFamily xmlns:thm15="http://schemas.microsoft.com/office/thememl/2012/main" name="Office 2013 - 2022 Theme" id="{62F939B6-93AF-4DB8-9C6B-D6C7DFDC589F}" vid="{4A3C46E8-61CC-4603-A589-7422A47A8E4A}"/>
     </a:ext>
   </a:extLst>
 </a:theme>
